--- a/Experiments/Arduino/02_LED_ANIMATION/ppt/02_led_animace_for_pole.pptx
+++ b/Experiments/Arduino/02_LED_ANIMATION/ppt/02_led_animace_for_pole.pptx
@@ -7,7 +7,7 @@
     <p:sldMasterId id="2147483653" r:id="rId3"/>
   </p:sldMasterIdLst>
   <p:notesMasterIdLst>
-    <p:notesMasterId r:id="rId17"/>
+    <p:notesMasterId r:id="rId14"/>
   </p:notesMasterIdLst>
   <p:sldIdLst>
     <p:sldId id="256" r:id="rId4"/>
@@ -20,9 +20,6 @@
     <p:sldId id="306" r:id="rId11"/>
     <p:sldId id="309" r:id="rId12"/>
     <p:sldId id="313" r:id="rId13"/>
-    <p:sldId id="314" r:id="rId14"/>
-    <p:sldId id="315" r:id="rId15"/>
-    <p:sldId id="316" r:id="rId16"/>
   </p:sldIdLst>
   <p:sldSz cx="9144000" cy="5143500" type="screen16x9"/>
   <p:notesSz cx="6858000" cy="9144000"/>
@@ -222,7 +219,7 @@
           <a:p>
             <a:fld id="{4D4CD106-0280-324C-A42B-4E18AB917999}" type="datetimeFigureOut">
               <a:rPr lang="cs-CZ" smtClean="0"/>
-              <a:t>28.06.18</a:t>
+              <a:t>20.04.19</a:t>
             </a:fld>
             <a:endParaRPr lang="cs-CZ"/>
           </a:p>
@@ -6894,7 +6891,7 @@
       </p:grpSpPr>
       <p:sp>
         <p:nvSpPr>
-          <p:cNvPr id="14" name="Rectangle 13"/>
+          <p:cNvPr id="23" name="Rectangle 13"/>
           <p:cNvSpPr/>
           <p:nvPr/>
         </p:nvSpPr>
@@ -7107,7 +7104,7 @@
                 <a:ea typeface="Andale Mono" charset="0"/>
                 <a:cs typeface="Andale Mono" charset="0"/>
               </a:rPr>
-              <a:t>Příkaz</a:t>
+              <a:t>Úkol</a:t>
             </a:r>
             <a:r>
               <a:rPr lang="en-US" altLang="ko-KR" sz="1800" b="1" dirty="0" smtClean="0">
@@ -7118,7 +7115,7 @@
                 <a:ea typeface="Andale Mono" charset="0"/>
                 <a:cs typeface="Andale Mono" charset="0"/>
               </a:rPr>
-              <a:t> </a:t>
+              <a:t> pro </a:t>
             </a:r>
             <a:br>
               <a:rPr lang="en-US" altLang="ko-KR" sz="1800" b="1" dirty="0" smtClean="0">
@@ -7139,18 +7136,7 @@
                 <a:ea typeface="Andale Mono" charset="0"/>
                 <a:cs typeface="Andale Mono" charset="0"/>
               </a:rPr>
-              <a:t>cyklu</a:t>
-            </a:r>
-            <a:r>
-              <a:rPr lang="en-US" altLang="ko-KR" sz="1800" b="1" dirty="0" smtClean="0">
-                <a:solidFill>
-                  <a:schemeClr val="bg1"/>
-                </a:solidFill>
-                <a:latin typeface="Andale Mono" charset="0"/>
-                <a:ea typeface="Andale Mono" charset="0"/>
-                <a:cs typeface="Andale Mono" charset="0"/>
-              </a:rPr>
-              <a:t> for</a:t>
+              <a:t>vás</a:t>
             </a:r>
             <a:endParaRPr lang="ko-KR" altLang="en-US" sz="1800" b="1" dirty="0">
               <a:solidFill>
@@ -7271,7 +7257,7 @@
         <p:spPr>
           <a:xfrm>
             <a:off x="2411760" y="592296"/>
-            <a:ext cx="5976664" cy="338554"/>
+            <a:ext cx="5976664" cy="584775"/>
           </a:xfrm>
           <a:prstGeom prst="rect">
             <a:avLst/>
@@ -7286,7 +7272,7 @@
           <a:p>
             <a:pPr latinLnBrk="0" hangingPunct="0"/>
             <a:r>
-              <a:rPr lang="cs-CZ" sz="1600" b="1" dirty="0" smtClean="0">
+              <a:rPr lang="cs-CZ" sz="1600" b="1" dirty="0">
                 <a:solidFill>
                   <a:srgbClr val="AB7942"/>
                 </a:solidFill>
@@ -7294,10 +7280,10 @@
                 <a:ea typeface="Andale Mono" charset="0"/>
                 <a:cs typeface="Andale Mono" charset="0"/>
               </a:rPr>
-              <a:t>Jak na cykly v </a:t>
-            </a:r>
-            <a:r>
-              <a:rPr lang="cs-CZ" sz="1600" b="1" dirty="0" err="1" smtClean="0">
+              <a:t>Upravte pořadí prvků v poli tak, aby se diody rozsvěcovali od středu ke </a:t>
+            </a:r>
+            <a:r>
+              <a:rPr lang="cs-CZ" sz="1600" b="1" dirty="0" smtClean="0">
                 <a:solidFill>
                   <a:srgbClr val="AB7942"/>
                 </a:solidFill>
@@ -7305,18 +7291,7 @@
                 <a:ea typeface="Andale Mono" charset="0"/>
                 <a:cs typeface="Andale Mono" charset="0"/>
               </a:rPr>
-              <a:t>Ardino</a:t>
-            </a:r>
-            <a:r>
-              <a:rPr lang="cs-CZ" sz="1600" b="1" dirty="0" smtClean="0">
-                <a:solidFill>
-                  <a:srgbClr val="AB7942"/>
-                </a:solidFill>
-                <a:latin typeface="Andale Mono" charset="0"/>
-                <a:ea typeface="Andale Mono" charset="0"/>
-                <a:cs typeface="Andale Mono" charset="0"/>
-              </a:rPr>
-              <a:t>? </a:t>
+              <a:t>krajům. </a:t>
             </a:r>
             <a:endParaRPr lang="cs-CZ" sz="1600" b="1" dirty="0">
               <a:solidFill>
@@ -7337,8 +7312,8 @@
         </p:nvSpPr>
         <p:spPr>
           <a:xfrm>
-            <a:off x="2411760" y="1190834"/>
-            <a:ext cx="6102424" cy="1378454"/>
+            <a:off x="2411760" y="1392314"/>
+            <a:ext cx="6102424" cy="531364"/>
           </a:xfrm>
           <a:prstGeom prst="rect">
             <a:avLst/>
@@ -7367,102 +7342,29 @@
                 <a:ea typeface="Andale Mono" charset="0"/>
                 <a:cs typeface="Andale Mono" charset="0"/>
               </a:rPr>
-              <a:t>Cyklus </a:t>
-            </a:r>
-            <a:r>
-              <a:rPr lang="cs-CZ" sz="1200" b="1" dirty="0" err="1">
-                <a:solidFill>
-                  <a:srgbClr val="F2A40D"/>
+              <a:t>Řešení může spočívat v úpravě funkce </a:t>
+            </a:r>
+            <a:r>
+              <a:rPr lang="cs-CZ" sz="1200" dirty="0" err="1">
+                <a:solidFill>
+                  <a:srgbClr val="595959"/>
                 </a:solidFill>
                 <a:latin typeface="Andale Mono" charset="0"/>
                 <a:ea typeface="Andale Mono" charset="0"/>
                 <a:cs typeface="Andale Mono" charset="0"/>
               </a:rPr>
-              <a:t>for</a:t>
+              <a:t>changeLED</a:t>
             </a:r>
             <a:r>
               <a:rPr lang="cs-CZ" sz="1200" dirty="0">
                 <a:solidFill>
-                  <a:srgbClr val="F2A40D"/>
+                  <a:srgbClr val="595959"/>
                 </a:solidFill>
                 <a:latin typeface="Andale Mono" charset="0"/>
                 <a:ea typeface="Andale Mono" charset="0"/>
                 <a:cs typeface="Andale Mono" charset="0"/>
               </a:rPr>
-              <a:t> </a:t>
-            </a:r>
-            <a:r>
-              <a:rPr lang="cs-CZ" sz="1200" dirty="0">
-                <a:solidFill>
-                  <a:srgbClr val="595959"/>
-                </a:solidFill>
-                <a:latin typeface="Andale Mono" charset="0"/>
-                <a:ea typeface="Andale Mono" charset="0"/>
-                <a:cs typeface="Andale Mono" charset="0"/>
-              </a:rPr>
-              <a:t>se používá k opakování bloku příkazů, uzavřených do složených závorek. Využívá čítače inkrementů (přírůstků), který se používá pro ukončení průchodu cyklu. </a:t>
-            </a:r>
-            <a:endParaRPr lang="cs-CZ" sz="1200" dirty="0" smtClean="0">
-              <a:solidFill>
-                <a:srgbClr val="595959"/>
-              </a:solidFill>
-              <a:latin typeface="Andale Mono" charset="0"/>
-              <a:ea typeface="Andale Mono" charset="0"/>
-              <a:cs typeface="Andale Mono" charset="0"/>
-            </a:endParaRPr>
-          </a:p>
-          <a:p>
-            <a:pPr algn="just" latinLnBrk="0" hangingPunct="0">
-              <a:lnSpc>
-                <a:spcPts val="1800"/>
-              </a:lnSpc>
-              <a:spcAft>
-                <a:spcPts val="1200"/>
-              </a:spcAft>
-            </a:pPr>
-            <a:r>
-              <a:rPr lang="cs-CZ" sz="1200" dirty="0" smtClean="0">
-                <a:solidFill>
-                  <a:srgbClr val="595959"/>
-                </a:solidFill>
-                <a:latin typeface="Andale Mono" charset="0"/>
-                <a:ea typeface="Andale Mono" charset="0"/>
-                <a:cs typeface="Andale Mono" charset="0"/>
-              </a:rPr>
-              <a:t>Cyklus </a:t>
-            </a:r>
-            <a:r>
-              <a:rPr lang="cs-CZ" sz="1200" b="1" dirty="0" err="1">
-                <a:solidFill>
-                  <a:srgbClr val="F2A40D"/>
-                </a:solidFill>
-                <a:latin typeface="Andale Mono" charset="0"/>
-                <a:ea typeface="Andale Mono" charset="0"/>
-                <a:cs typeface="Andale Mono" charset="0"/>
-              </a:rPr>
-              <a:t>for</a:t>
-            </a:r>
-            <a:r>
-              <a:rPr lang="cs-CZ" sz="1200" dirty="0">
-                <a:solidFill>
-                  <a:srgbClr val="F2A40D"/>
-                </a:solidFill>
-                <a:latin typeface="Andale Mono" charset="0"/>
-                <a:ea typeface="Andale Mono" charset="0"/>
-                <a:cs typeface="Andale Mono" charset="0"/>
-              </a:rPr>
-              <a:t> </a:t>
-            </a:r>
-            <a:r>
-              <a:rPr lang="cs-CZ" sz="1200" dirty="0">
-                <a:solidFill>
-                  <a:srgbClr val="595959"/>
-                </a:solidFill>
-                <a:latin typeface="Andale Mono" charset="0"/>
-                <a:ea typeface="Andale Mono" charset="0"/>
-                <a:cs typeface="Andale Mono" charset="0"/>
-              </a:rPr>
-              <a:t>je vhodný pro jakýkoliv opakující se operace a je často používán v kombinaci s poli, pro jejich průchod.</a:t>
+              <a:t> tak, aby měla dva vstupní parametry.</a:t>
             </a:r>
             <a:endParaRPr lang="cs-CZ" sz="1200" dirty="0">
               <a:solidFill>
@@ -7478,32 +7380,32 @@
       </p:sp>
       <p:graphicFrame>
         <p:nvGraphicFramePr>
-          <p:cNvPr id="2" name="Objekt 1"/>
+          <p:cNvPr id="22" name="Objekt 21"/>
           <p:cNvGraphicFramePr>
             <a:graphicFrameLocks noChangeAspect="1"/>
           </p:cNvGraphicFramePr>
           <p:nvPr>
             <p:extLst>
               <p:ext uri="{D42A27DB-BD31-4B8C-83A1-F6EECF244321}">
-                <p14:modId xmlns:p14="http://schemas.microsoft.com/office/powerpoint/2010/main" val="34209351"/>
+                <p14:modId xmlns:p14="http://schemas.microsoft.com/office/powerpoint/2010/main" val="2026641633"/>
               </p:ext>
             </p:extLst>
           </p:nvPr>
         </p:nvGraphicFramePr>
         <p:xfrm>
-          <a:off x="2478472" y="3075806"/>
-          <a:ext cx="5969000" cy="1117600"/>
+          <a:off x="2483768" y="2283718"/>
+          <a:ext cx="4752528" cy="1698171"/>
         </p:xfrm>
         <a:graphic>
           <a:graphicData uri="http://schemas.openxmlformats.org/presentationml/2006/ole">
             <mc:AlternateContent xmlns:mc="http://schemas.openxmlformats.org/markup-compatibility/2006">
               <mc:Choice xmlns:v="urn:schemas-microsoft-com:vml" Requires="v">
-                <p:oleObj spid="_x0000_s1074" name="Dokument" r:id="rId5" imgW="5969000" imgH="1117600" progId="Word.Document.12">
+                <p:oleObj spid="_x0000_s20494" name="Dokument" r:id="rId5" imgW="5575300" imgH="1981200" progId="Word.Document.12">
                   <p:embed/>
                 </p:oleObj>
               </mc:Choice>
               <mc:Fallback>
-                <p:oleObj name="Dokument" r:id="rId5" imgW="5969000" imgH="1117600" progId="Word.Document.12">
+                <p:oleObj name="Dokument" r:id="rId5" imgW="5575300" imgH="1981200" progId="Word.Document.12">
                   <p:embed/>
                   <p:pic>
                     <p:nvPicPr>
@@ -7519,65 +7421,8 @@
                     </p:blipFill>
                     <p:spPr>
                       <a:xfrm>
-                        <a:off x="2478472" y="3075806"/>
-                        <a:ext cx="5969000" cy="1117600"/>
-                      </a:xfrm>
-                      <a:prstGeom prst="rect">
-                        <a:avLst/>
-                      </a:prstGeom>
-                    </p:spPr>
-                  </p:pic>
-                </p:oleObj>
-              </mc:Fallback>
-            </mc:AlternateContent>
-          </a:graphicData>
-        </a:graphic>
-      </p:graphicFrame>
-      <p:graphicFrame>
-        <p:nvGraphicFramePr>
-          <p:cNvPr id="3" name="Objekt 2"/>
-          <p:cNvGraphicFramePr>
-            <a:graphicFrameLocks noChangeAspect="1"/>
-          </p:cNvGraphicFramePr>
-          <p:nvPr>
-            <p:extLst>
-              <p:ext uri="{D42A27DB-BD31-4B8C-83A1-F6EECF244321}">
-                <p14:modId xmlns:p14="http://schemas.microsoft.com/office/powerpoint/2010/main" val="1693809789"/>
-              </p:ext>
-            </p:extLst>
-          </p:nvPr>
-        </p:nvGraphicFramePr>
-        <p:xfrm>
-          <a:off x="6158582" y="3075806"/>
-          <a:ext cx="5575300" cy="1536700"/>
-        </p:xfrm>
-        <a:graphic>
-          <a:graphicData uri="http://schemas.openxmlformats.org/presentationml/2006/ole">
-            <mc:AlternateContent xmlns:mc="http://schemas.openxmlformats.org/markup-compatibility/2006">
-              <mc:Choice xmlns:v="urn:schemas-microsoft-com:vml" Requires="v">
-                <p:oleObj spid="_x0000_s1075" name="Dokument" r:id="rId7" imgW="5575300" imgH="1536700" progId="Word.Document.12">
-                  <p:embed/>
-                </p:oleObj>
-              </mc:Choice>
-              <mc:Fallback>
-                <p:oleObj name="Dokument" r:id="rId7" imgW="5575300" imgH="1536700" progId="Word.Document.12">
-                  <p:embed/>
-                  <p:pic>
-                    <p:nvPicPr>
-                      <p:cNvPr id="0" name=""/>
-                      <p:cNvPicPr/>
-                      <p:nvPr/>
-                    </p:nvPicPr>
-                    <p:blipFill>
-                      <a:blip r:embed="rId8"/>
-                      <a:stretch>
-                        <a:fillRect/>
-                      </a:stretch>
-                    </p:blipFill>
-                    <p:spPr>
-                      <a:xfrm>
-                        <a:off x="6158582" y="3075806"/>
-                        <a:ext cx="5575300" cy="1536700"/>
+                        <a:off x="2483768" y="2283718"/>
+                        <a:ext cx="4752528" cy="1698171"/>
                       </a:xfrm>
                       <a:prstGeom prst="rect">
                         <a:avLst/>
@@ -7592,14 +7437,14 @@
       </p:graphicFrame>
       <p:cxnSp>
         <p:nvCxnSpPr>
-          <p:cNvPr id="12" name="Přímá spojnice 11"/>
+          <p:cNvPr id="11" name="Přímá spojnice 10"/>
           <p:cNvCxnSpPr/>
           <p:nvPr/>
         </p:nvCxnSpPr>
         <p:spPr>
           <a:xfrm>
-            <a:off x="5796136" y="3075806"/>
-            <a:ext cx="0" cy="1466267"/>
+            <a:off x="5796136" y="2139702"/>
+            <a:ext cx="0" cy="2448272"/>
           </a:xfrm>
           <a:prstGeom prst="line">
             <a:avLst/>
@@ -7620,727 +7465,67 @@
           </a:fontRef>
         </p:style>
       </p:cxnSp>
+      <p:graphicFrame>
+        <p:nvGraphicFramePr>
+          <p:cNvPr id="5" name="Objekt 4"/>
+          <p:cNvGraphicFramePr>
+            <a:graphicFrameLocks noChangeAspect="1"/>
+          </p:cNvGraphicFramePr>
+          <p:nvPr>
+            <p:extLst>
+              <p:ext uri="{D42A27DB-BD31-4B8C-83A1-F6EECF244321}">
+                <p14:modId xmlns:p14="http://schemas.microsoft.com/office/powerpoint/2010/main" val="783959501"/>
+              </p:ext>
+            </p:extLst>
+          </p:nvPr>
+        </p:nvGraphicFramePr>
+        <p:xfrm>
+          <a:off x="6084168" y="2264276"/>
+          <a:ext cx="4773613" cy="2479675"/>
+        </p:xfrm>
+        <a:graphic>
+          <a:graphicData uri="http://schemas.openxmlformats.org/presentationml/2006/ole">
+            <mc:AlternateContent xmlns:mc="http://schemas.openxmlformats.org/markup-compatibility/2006">
+              <mc:Choice xmlns:v="urn:schemas-microsoft-com:vml" Requires="v">
+                <p:oleObj spid="_x0000_s20495" name="Dokument" r:id="rId7" imgW="5651500" imgH="2933700" progId="Word.Document.12">
+                  <p:embed/>
+                </p:oleObj>
+              </mc:Choice>
+              <mc:Fallback>
+                <p:oleObj name="Dokument" r:id="rId7" imgW="5651500" imgH="2933700" progId="Word.Document.12">
+                  <p:embed/>
+                  <p:pic>
+                    <p:nvPicPr>
+                      <p:cNvPr id="0" name=""/>
+                      <p:cNvPicPr/>
+                      <p:nvPr/>
+                    </p:nvPicPr>
+                    <p:blipFill>
+                      <a:blip r:embed="rId8"/>
+                      <a:stretch>
+                        <a:fillRect/>
+                      </a:stretch>
+                    </p:blipFill>
+                    <p:spPr>
+                      <a:xfrm>
+                        <a:off x="6084168" y="2264276"/>
+                        <a:ext cx="4773613" cy="2479675"/>
+                      </a:xfrm>
+                      <a:prstGeom prst="rect">
+                        <a:avLst/>
+                      </a:prstGeom>
+                    </p:spPr>
+                  </p:pic>
+                </p:oleObj>
+              </mc:Fallback>
+            </mc:AlternateContent>
+          </a:graphicData>
+        </a:graphic>
+      </p:graphicFrame>
     </p:spTree>
     <p:extLst>
       <p:ext uri="{BB962C8B-B14F-4D97-AF65-F5344CB8AC3E}">
-        <p14:creationId xmlns:p14="http://schemas.microsoft.com/office/powerpoint/2010/main" val="171477896"/>
-      </p:ext>
-    </p:extLst>
-  </p:cSld>
-  <p:clrMapOvr>
-    <a:masterClrMapping/>
-  </p:clrMapOvr>
-  <p:timing>
-    <p:tnLst>
-      <p:par>
-        <p:cTn id="1" dur="indefinite" restart="never" nodeType="tmRoot">
-          <p:childTnLst>
-            <p:seq concurrent="1" nextAc="seek">
-              <p:cTn id="2" dur="indefinite" nodeType="mainSeq">
-                <p:childTnLst>
-                  <p:par>
-                    <p:cTn id="3" fill="hold">
-                      <p:stCondLst>
-                        <p:cond delay="indefinite"/>
-                      </p:stCondLst>
-                      <p:childTnLst>
-                        <p:par>
-                          <p:cTn id="4" fill="hold">
-                            <p:stCondLst>
-                              <p:cond delay="0"/>
-                            </p:stCondLst>
-                            <p:childTnLst>
-                              <p:par>
-                                <p:cTn id="5" presetID="3" presetClass="entr" presetSubtype="10" fill="hold" nodeType="clickEffect">
-                                  <p:stCondLst>
-                                    <p:cond delay="0"/>
-                                  </p:stCondLst>
-                                  <p:childTnLst>
-                                    <p:set>
-                                      <p:cBhvr>
-                                        <p:cTn id="6" dur="1" fill="hold">
-                                          <p:stCondLst>
-                                            <p:cond delay="0"/>
-                                          </p:stCondLst>
-                                        </p:cTn>
-                                        <p:tgtEl>
-                                          <p:spTgt spid="2"/>
-                                        </p:tgtEl>
-                                        <p:attrNameLst>
-                                          <p:attrName>style.visibility</p:attrName>
-                                        </p:attrNameLst>
-                                      </p:cBhvr>
-                                      <p:to>
-                                        <p:strVal val="visible"/>
-                                      </p:to>
-                                    </p:set>
-                                    <p:animEffect transition="in" filter="blinds(horizontal)">
-                                      <p:cBhvr>
-                                        <p:cTn id="7" dur="500"/>
-                                        <p:tgtEl>
-                                          <p:spTgt spid="2"/>
-                                        </p:tgtEl>
-                                      </p:cBhvr>
-                                    </p:animEffect>
-                                  </p:childTnLst>
-                                </p:cTn>
-                              </p:par>
-                              <p:par>
-                                <p:cTn id="8" presetID="3" presetClass="entr" presetSubtype="10" fill="hold" nodeType="withEffect">
-                                  <p:stCondLst>
-                                    <p:cond delay="0"/>
-                                  </p:stCondLst>
-                                  <p:childTnLst>
-                                    <p:set>
-                                      <p:cBhvr>
-                                        <p:cTn id="9" dur="1" fill="hold">
-                                          <p:stCondLst>
-                                            <p:cond delay="0"/>
-                                          </p:stCondLst>
-                                        </p:cTn>
-                                        <p:tgtEl>
-                                          <p:spTgt spid="12"/>
-                                        </p:tgtEl>
-                                        <p:attrNameLst>
-                                          <p:attrName>style.visibility</p:attrName>
-                                        </p:attrNameLst>
-                                      </p:cBhvr>
-                                      <p:to>
-                                        <p:strVal val="visible"/>
-                                      </p:to>
-                                    </p:set>
-                                    <p:animEffect transition="in" filter="blinds(horizontal)">
-                                      <p:cBhvr>
-                                        <p:cTn id="10" dur="500"/>
-                                        <p:tgtEl>
-                                          <p:spTgt spid="12"/>
-                                        </p:tgtEl>
-                                      </p:cBhvr>
-                                    </p:animEffect>
-                                  </p:childTnLst>
-                                </p:cTn>
-                              </p:par>
-                              <p:par>
-                                <p:cTn id="11" presetID="3" presetClass="entr" presetSubtype="10" fill="hold" nodeType="withEffect">
-                                  <p:stCondLst>
-                                    <p:cond delay="0"/>
-                                  </p:stCondLst>
-                                  <p:childTnLst>
-                                    <p:set>
-                                      <p:cBhvr>
-                                        <p:cTn id="12" dur="1" fill="hold">
-                                          <p:stCondLst>
-                                            <p:cond delay="0"/>
-                                          </p:stCondLst>
-                                        </p:cTn>
-                                        <p:tgtEl>
-                                          <p:spTgt spid="3"/>
-                                        </p:tgtEl>
-                                        <p:attrNameLst>
-                                          <p:attrName>style.visibility</p:attrName>
-                                        </p:attrNameLst>
-                                      </p:cBhvr>
-                                      <p:to>
-                                        <p:strVal val="visible"/>
-                                      </p:to>
-                                    </p:set>
-                                    <p:animEffect transition="in" filter="blinds(horizontal)">
-                                      <p:cBhvr>
-                                        <p:cTn id="13" dur="500"/>
-                                        <p:tgtEl>
-                                          <p:spTgt spid="3"/>
-                                        </p:tgtEl>
-                                      </p:cBhvr>
-                                    </p:animEffect>
-                                  </p:childTnLst>
-                                </p:cTn>
-                              </p:par>
-                            </p:childTnLst>
-                          </p:cTn>
-                        </p:par>
-                      </p:childTnLst>
-                    </p:cTn>
-                  </p:par>
-                </p:childTnLst>
-              </p:cTn>
-              <p:prevCondLst>
-                <p:cond evt="onPrev" delay="0">
-                  <p:tgtEl>
-                    <p:sldTgt/>
-                  </p:tgtEl>
-                </p:cond>
-              </p:prevCondLst>
-              <p:nextCondLst>
-                <p:cond evt="onNext" delay="0">
-                  <p:tgtEl>
-                    <p:sldTgt/>
-                  </p:tgtEl>
-                </p:cond>
-              </p:nextCondLst>
-            </p:seq>
-          </p:childTnLst>
-        </p:cTn>
-      </p:par>
-    </p:tnLst>
-  </p:timing>
-</p:sld>
-</file>
-
-<file path=ppt/slides/slide11.xml><?xml version="1.0" encoding="utf-8"?>
-<p:sld xmlns:a="http://schemas.openxmlformats.org/drawingml/2006/main" xmlns:r="http://schemas.openxmlformats.org/officeDocument/2006/relationships" xmlns:p="http://schemas.openxmlformats.org/presentationml/2006/main">
-  <p:cSld>
-    <p:spTree>
-      <p:nvGrpSpPr>
-        <p:cNvPr id="1" name=""/>
-        <p:cNvGrpSpPr/>
-        <p:nvPr/>
-      </p:nvGrpSpPr>
-      <p:grpSpPr>
-        <a:xfrm>
-          <a:off x="0" y="0"/>
-          <a:ext cx="0" cy="0"/>
-          <a:chOff x="0" y="0"/>
-          <a:chExt cx="0" cy="0"/>
-        </a:xfrm>
-      </p:grpSpPr>
-      <p:sp>
-        <p:nvSpPr>
-          <p:cNvPr id="15" name="Rectangle 13"/>
-          <p:cNvSpPr/>
-          <p:nvPr/>
-        </p:nvSpPr>
-        <p:spPr>
-          <a:xfrm>
-            <a:off x="-36512" y="0"/>
-            <a:ext cx="2016224" cy="5143500"/>
-          </a:xfrm>
-          <a:prstGeom prst="rect">
-            <a:avLst/>
-          </a:prstGeom>
-          <a:solidFill>
-            <a:schemeClr val="accent1"/>
-          </a:solidFill>
-          <a:ln>
-            <a:noFill/>
-          </a:ln>
-        </p:spPr>
-        <p:style>
-          <a:lnRef idx="2">
-            <a:schemeClr val="accent1">
-              <a:shade val="50000"/>
-            </a:schemeClr>
-          </a:lnRef>
-          <a:fillRef idx="1">
-            <a:schemeClr val="accent1"/>
-          </a:fillRef>
-          <a:effectRef idx="0">
-            <a:schemeClr val="accent1"/>
-          </a:effectRef>
-          <a:fontRef idx="minor">
-            <a:schemeClr val="lt1"/>
-          </a:fontRef>
-        </p:style>
-        <p:txBody>
-          <a:bodyPr rtlCol="0" anchor="ctr"/>
-          <a:lstStyle/>
-          <a:p>
-            <a:pPr algn="ctr"/>
-            <a:endParaRPr lang="ko-KR" altLang="en-US"/>
-          </a:p>
-        </p:txBody>
-      </p:sp>
-      <p:sp>
-        <p:nvSpPr>
-          <p:cNvPr id="20" name="Text Placeholder 1"/>
-          <p:cNvSpPr txBox="1">
-            <a:spLocks/>
-          </p:cNvSpPr>
-          <p:nvPr/>
-        </p:nvSpPr>
-        <p:spPr>
-          <a:xfrm>
-            <a:off x="-36512" y="555526"/>
-            <a:ext cx="1980220" cy="1440408"/>
-          </a:xfrm>
-          <a:prstGeom prst="rect">
-            <a:avLst/>
-          </a:prstGeom>
-        </p:spPr>
-        <p:txBody>
-          <a:bodyPr/>
-          <a:lstStyle>
-            <a:lvl1pPr marL="342900" indent="-342900" algn="l" defTabSz="914400" rtl="0" eaLnBrk="1" latinLnBrk="1" hangingPunct="1">
-              <a:spcBef>
-                <a:spcPct val="20000"/>
-              </a:spcBef>
-              <a:buFont typeface="Arial" pitchFamily="34" charset="0"/>
-              <a:buChar char="•"/>
-              <a:defRPr sz="3200" kern="1200">
-                <a:solidFill>
-                  <a:schemeClr val="tx1"/>
-                </a:solidFill>
-                <a:latin typeface="+mn-lt"/>
-                <a:ea typeface="+mn-ea"/>
-                <a:cs typeface="+mn-cs"/>
-              </a:defRPr>
-            </a:lvl1pPr>
-            <a:lvl2pPr marL="742950" indent="-285750" algn="l" defTabSz="914400" rtl="0" eaLnBrk="1" latinLnBrk="1" hangingPunct="1">
-              <a:spcBef>
-                <a:spcPct val="20000"/>
-              </a:spcBef>
-              <a:buFont typeface="Arial" pitchFamily="34" charset="0"/>
-              <a:buChar char="–"/>
-              <a:defRPr sz="2800" kern="1200">
-                <a:solidFill>
-                  <a:schemeClr val="tx1"/>
-                </a:solidFill>
-                <a:latin typeface="+mn-lt"/>
-                <a:ea typeface="+mn-ea"/>
-                <a:cs typeface="+mn-cs"/>
-              </a:defRPr>
-            </a:lvl2pPr>
-            <a:lvl3pPr marL="1143000" indent="-228600" algn="l" defTabSz="914400" rtl="0" eaLnBrk="1" latinLnBrk="1" hangingPunct="1">
-              <a:spcBef>
-                <a:spcPct val="20000"/>
-              </a:spcBef>
-              <a:buFont typeface="Arial" pitchFamily="34" charset="0"/>
-              <a:buChar char="•"/>
-              <a:defRPr sz="2400" kern="1200">
-                <a:solidFill>
-                  <a:schemeClr val="tx1"/>
-                </a:solidFill>
-                <a:latin typeface="+mn-lt"/>
-                <a:ea typeface="+mn-ea"/>
-                <a:cs typeface="+mn-cs"/>
-              </a:defRPr>
-            </a:lvl3pPr>
-            <a:lvl4pPr marL="1600200" indent="-228600" algn="l" defTabSz="914400" rtl="0" eaLnBrk="1" latinLnBrk="1" hangingPunct="1">
-              <a:spcBef>
-                <a:spcPct val="20000"/>
-              </a:spcBef>
-              <a:buFont typeface="Arial" pitchFamily="34" charset="0"/>
-              <a:buChar char="–"/>
-              <a:defRPr sz="2000" kern="1200">
-                <a:solidFill>
-                  <a:schemeClr val="tx1"/>
-                </a:solidFill>
-                <a:latin typeface="+mn-lt"/>
-                <a:ea typeface="+mn-ea"/>
-                <a:cs typeface="+mn-cs"/>
-              </a:defRPr>
-            </a:lvl4pPr>
-            <a:lvl5pPr marL="2057400" indent="-228600" algn="l" defTabSz="914400" rtl="0" eaLnBrk="1" latinLnBrk="1" hangingPunct="1">
-              <a:spcBef>
-                <a:spcPct val="20000"/>
-              </a:spcBef>
-              <a:buFont typeface="Arial" pitchFamily="34" charset="0"/>
-              <a:buChar char="»"/>
-              <a:defRPr sz="2000" kern="1200">
-                <a:solidFill>
-                  <a:schemeClr val="tx1"/>
-                </a:solidFill>
-                <a:latin typeface="+mn-lt"/>
-                <a:ea typeface="+mn-ea"/>
-                <a:cs typeface="+mn-cs"/>
-              </a:defRPr>
-            </a:lvl5pPr>
-            <a:lvl6pPr marL="2514600" indent="-228600" algn="l" defTabSz="914400" rtl="0" eaLnBrk="1" latinLnBrk="1" hangingPunct="1">
-              <a:spcBef>
-                <a:spcPct val="20000"/>
-              </a:spcBef>
-              <a:buFont typeface="Arial" pitchFamily="34" charset="0"/>
-              <a:buChar char="•"/>
-              <a:defRPr sz="2000" kern="1200">
-                <a:solidFill>
-                  <a:schemeClr val="tx1"/>
-                </a:solidFill>
-                <a:latin typeface="+mn-lt"/>
-                <a:ea typeface="+mn-ea"/>
-                <a:cs typeface="+mn-cs"/>
-              </a:defRPr>
-            </a:lvl6pPr>
-            <a:lvl7pPr marL="2971800" indent="-228600" algn="l" defTabSz="914400" rtl="0" eaLnBrk="1" latinLnBrk="1" hangingPunct="1">
-              <a:spcBef>
-                <a:spcPct val="20000"/>
-              </a:spcBef>
-              <a:buFont typeface="Arial" pitchFamily="34" charset="0"/>
-              <a:buChar char="•"/>
-              <a:defRPr sz="2000" kern="1200">
-                <a:solidFill>
-                  <a:schemeClr val="tx1"/>
-                </a:solidFill>
-                <a:latin typeface="+mn-lt"/>
-                <a:ea typeface="+mn-ea"/>
-                <a:cs typeface="+mn-cs"/>
-              </a:defRPr>
-            </a:lvl7pPr>
-            <a:lvl8pPr marL="3429000" indent="-228600" algn="l" defTabSz="914400" rtl="0" eaLnBrk="1" latinLnBrk="1" hangingPunct="1">
-              <a:spcBef>
-                <a:spcPct val="20000"/>
-              </a:spcBef>
-              <a:buFont typeface="Arial" pitchFamily="34" charset="0"/>
-              <a:buChar char="•"/>
-              <a:defRPr sz="2000" kern="1200">
-                <a:solidFill>
-                  <a:schemeClr val="tx1"/>
-                </a:solidFill>
-                <a:latin typeface="+mn-lt"/>
-                <a:ea typeface="+mn-ea"/>
-                <a:cs typeface="+mn-cs"/>
-              </a:defRPr>
-            </a:lvl8pPr>
-            <a:lvl9pPr marL="3886200" indent="-228600" algn="l" defTabSz="914400" rtl="0" eaLnBrk="1" latinLnBrk="1" hangingPunct="1">
-              <a:spcBef>
-                <a:spcPct val="20000"/>
-              </a:spcBef>
-              <a:buFont typeface="Arial" pitchFamily="34" charset="0"/>
-              <a:buChar char="•"/>
-              <a:defRPr sz="2000" kern="1200">
-                <a:solidFill>
-                  <a:schemeClr val="tx1"/>
-                </a:solidFill>
-                <a:latin typeface="+mn-lt"/>
-                <a:ea typeface="+mn-ea"/>
-                <a:cs typeface="+mn-cs"/>
-              </a:defRPr>
-            </a:lvl9pPr>
-          </a:lstStyle>
-          <a:p>
-            <a:pPr marL="0" indent="0" algn="r">
-              <a:buNone/>
-            </a:pPr>
-            <a:r>
-              <a:rPr lang="en-US" altLang="ko-KR" sz="1800" b="1" dirty="0" err="1" smtClean="0">
-                <a:solidFill>
-                  <a:schemeClr val="bg1"/>
-                </a:solidFill>
-                <a:latin typeface="Andale Mono" charset="0"/>
-                <a:ea typeface="Andale Mono" charset="0"/>
-                <a:cs typeface="Andale Mono" charset="0"/>
-              </a:rPr>
-              <a:t>Otázka</a:t>
-            </a:r>
-            <a:r>
-              <a:rPr lang="en-US" altLang="ko-KR" sz="1800" b="1" dirty="0" smtClean="0">
-                <a:solidFill>
-                  <a:schemeClr val="bg1"/>
-                </a:solidFill>
-                <a:latin typeface="Andale Mono" charset="0"/>
-                <a:ea typeface="Andale Mono" charset="0"/>
-                <a:cs typeface="Andale Mono" charset="0"/>
-              </a:rPr>
-              <a:t> </a:t>
-            </a:r>
-            <a:br>
-              <a:rPr lang="en-US" altLang="ko-KR" sz="1800" b="1" dirty="0" smtClean="0">
-                <a:solidFill>
-                  <a:schemeClr val="bg1"/>
-                </a:solidFill>
-                <a:latin typeface="Andale Mono" charset="0"/>
-                <a:ea typeface="Andale Mono" charset="0"/>
-                <a:cs typeface="Andale Mono" charset="0"/>
-              </a:rPr>
-            </a:br>
-            <a:r>
-              <a:rPr lang="en-US" altLang="ko-KR" sz="1800" b="1" dirty="0" smtClean="0">
-                <a:solidFill>
-                  <a:schemeClr val="bg1"/>
-                </a:solidFill>
-                <a:latin typeface="Andale Mono" charset="0"/>
-                <a:ea typeface="Andale Mono" charset="0"/>
-                <a:cs typeface="Andale Mono" charset="0"/>
-              </a:rPr>
-              <a:t>pro </a:t>
-            </a:r>
-            <a:r>
-              <a:rPr lang="en-US" altLang="ko-KR" sz="1800" b="1" dirty="0" err="1" smtClean="0">
-                <a:solidFill>
-                  <a:schemeClr val="bg1"/>
-                </a:solidFill>
-                <a:latin typeface="Andale Mono" charset="0"/>
-                <a:ea typeface="Andale Mono" charset="0"/>
-                <a:cs typeface="Andale Mono" charset="0"/>
-              </a:rPr>
-              <a:t>vás</a:t>
-            </a:r>
-            <a:endParaRPr lang="ko-KR" altLang="en-US" sz="1800" b="1" dirty="0">
-              <a:solidFill>
-                <a:schemeClr val="bg1"/>
-              </a:solidFill>
-              <a:latin typeface="Andale Mono" charset="0"/>
-              <a:ea typeface="Andale Mono" charset="0"/>
-              <a:cs typeface="Andale Mono" charset="0"/>
-            </a:endParaRPr>
-          </a:p>
-        </p:txBody>
-      </p:sp>
-      <p:grpSp>
-        <p:nvGrpSpPr>
-          <p:cNvPr id="8" name="Skupina 7"/>
-          <p:cNvGrpSpPr/>
-          <p:nvPr/>
-        </p:nvGrpSpPr>
-        <p:grpSpPr>
-          <a:xfrm>
-            <a:off x="395536" y="4659804"/>
-            <a:ext cx="1416811" cy="432226"/>
-            <a:chOff x="7524328" y="199433"/>
-            <a:chExt cx="1416811" cy="432226"/>
-          </a:xfrm>
-        </p:grpSpPr>
-        <p:pic>
-          <p:nvPicPr>
-            <p:cNvPr id="9" name="Obrázek 8"/>
-            <p:cNvPicPr>
-              <a:picLocks noChangeAspect="1"/>
-            </p:cNvPicPr>
-            <p:nvPr/>
-          </p:nvPicPr>
-          <p:blipFill>
-            <a:blip r:embed="rId2">
-              <a:lum bright="70000" contrast="-70000"/>
-              <a:extLst>
-                <a:ext uri="{BEBA8EAE-BF5A-486C-A8C5-ECC9F3942E4B}">
-                  <a14:imgProps xmlns:a14="http://schemas.microsoft.com/office/drawing/2010/main">
-                    <a14:imgLayer r:embed="rId3">
-                      <a14:imgEffect>
-                        <a14:colorTemperature colorTemp="1500"/>
-                      </a14:imgEffect>
-                      <a14:imgEffect>
-                        <a14:saturation sat="0"/>
-                      </a14:imgEffect>
-                    </a14:imgLayer>
-                  </a14:imgProps>
-                </a:ext>
-              </a:extLst>
-            </a:blip>
-            <a:stretch>
-              <a:fillRect/>
-            </a:stretch>
-          </p:blipFill>
-          <p:spPr>
-            <a:xfrm>
-              <a:off x="8411772" y="199433"/>
-              <a:ext cx="529367" cy="360218"/>
-            </a:xfrm>
-            <a:prstGeom prst="rect">
-              <a:avLst/>
-            </a:prstGeom>
-          </p:spPr>
-        </p:pic>
-        <p:sp>
-          <p:nvSpPr>
-            <p:cNvPr id="10" name="TextovéPole 9"/>
-            <p:cNvSpPr txBox="1"/>
-            <p:nvPr/>
-          </p:nvSpPr>
-          <p:spPr>
-            <a:xfrm>
-              <a:off x="7524328" y="416215"/>
-              <a:ext cx="915635" cy="215444"/>
-            </a:xfrm>
-            <a:prstGeom prst="rect">
-              <a:avLst/>
-            </a:prstGeom>
-            <a:noFill/>
-          </p:spPr>
-          <p:txBody>
-            <a:bodyPr wrap="none" rtlCol="0">
-              <a:spAutoFit/>
-            </a:bodyPr>
-            <a:lstStyle/>
-            <a:p>
-              <a:r>
-                <a:rPr lang="cs-CZ" sz="800" b="1" smtClean="0">
-                  <a:solidFill>
-                    <a:schemeClr val="bg1"/>
-                  </a:solidFill>
-                  <a:latin typeface="Andale Mono" charset="0"/>
-                  <a:ea typeface="Andale Mono" charset="0"/>
-                  <a:cs typeface="Andale Mono" charset="0"/>
-                </a:rPr>
-                <a:t>PROGRAMOVÁNÍ</a:t>
-              </a:r>
-              <a:endParaRPr lang="cs-CZ" sz="800" b="1" dirty="0">
-                <a:solidFill>
-                  <a:schemeClr val="bg1"/>
-                </a:solidFill>
-                <a:latin typeface="Andale Mono" charset="0"/>
-                <a:ea typeface="Andale Mono" charset="0"/>
-                <a:cs typeface="Andale Mono" charset="0"/>
-              </a:endParaRPr>
-            </a:p>
-          </p:txBody>
-        </p:sp>
-      </p:grpSp>
-      <p:sp>
-        <p:nvSpPr>
-          <p:cNvPr id="18" name="TextovéPole 17"/>
-          <p:cNvSpPr txBox="1"/>
-          <p:nvPr/>
-        </p:nvSpPr>
-        <p:spPr>
-          <a:xfrm>
-            <a:off x="2627784" y="572280"/>
-            <a:ext cx="5976664" cy="830997"/>
-          </a:xfrm>
-          <a:prstGeom prst="rect">
-            <a:avLst/>
-          </a:prstGeom>
-          <a:noFill/>
-        </p:spPr>
-        <p:txBody>
-          <a:bodyPr wrap="square" rtlCol="0">
-            <a:spAutoFit/>
-          </a:bodyPr>
-          <a:lstStyle/>
-          <a:p>
-            <a:pPr latinLnBrk="0" hangingPunct="0"/>
-            <a:r>
-              <a:rPr lang="cs-CZ" sz="1600" dirty="0" smtClean="0">
-                <a:solidFill>
-                  <a:srgbClr val="AB7942"/>
-                </a:solidFill>
-                <a:latin typeface="Andale Mono" charset="0"/>
-                <a:ea typeface="Andale Mono" charset="0"/>
-                <a:cs typeface="Andale Mono" charset="0"/>
-              </a:rPr>
-              <a:t>Které </a:t>
-            </a:r>
-            <a:r>
-              <a:rPr lang="cs-CZ" sz="1600" dirty="0">
-                <a:solidFill>
-                  <a:srgbClr val="AB7942"/>
-                </a:solidFill>
-                <a:latin typeface="Andale Mono" charset="0"/>
-                <a:ea typeface="Andale Mono" charset="0"/>
-                <a:cs typeface="Andale Mono" charset="0"/>
-              </a:rPr>
-              <a:t>části programového kódu </a:t>
-            </a:r>
-            <a:r>
-              <a:rPr lang="cs-CZ" sz="1600" dirty="0" smtClean="0">
-                <a:solidFill>
-                  <a:srgbClr val="AB7942"/>
-                </a:solidFill>
-                <a:latin typeface="Andale Mono" charset="0"/>
-                <a:ea typeface="Andale Mono" charset="0"/>
-                <a:cs typeface="Andale Mono" charset="0"/>
-              </a:rPr>
-              <a:t>v otevřeném příkladu by </a:t>
-            </a:r>
-            <a:r>
-              <a:rPr lang="cs-CZ" sz="1600" dirty="0">
-                <a:solidFill>
-                  <a:srgbClr val="AB7942"/>
-                </a:solidFill>
-                <a:latin typeface="Andale Mono" charset="0"/>
-                <a:ea typeface="Andale Mono" charset="0"/>
-                <a:cs typeface="Andale Mono" charset="0"/>
-              </a:rPr>
-              <a:t>se hodilo využít v cyklu </a:t>
-            </a:r>
-            <a:r>
-              <a:rPr lang="cs-CZ" sz="1600" b="1" dirty="0" err="1">
-                <a:solidFill>
-                  <a:srgbClr val="AB7942"/>
-                </a:solidFill>
-                <a:latin typeface="Andale Mono" charset="0"/>
-                <a:ea typeface="Andale Mono" charset="0"/>
-                <a:cs typeface="Andale Mono" charset="0"/>
-              </a:rPr>
-              <a:t>for</a:t>
-            </a:r>
-            <a:r>
-              <a:rPr lang="cs-CZ" sz="1600" dirty="0">
-                <a:solidFill>
-                  <a:srgbClr val="AB7942"/>
-                </a:solidFill>
-                <a:latin typeface="Andale Mono" charset="0"/>
-                <a:ea typeface="Andale Mono" charset="0"/>
-                <a:cs typeface="Andale Mono" charset="0"/>
-              </a:rPr>
-              <a:t>, aby se kód zjednodušil? </a:t>
-            </a:r>
-          </a:p>
-        </p:txBody>
-      </p:sp>
-      <p:sp>
-        <p:nvSpPr>
-          <p:cNvPr id="12" name="TextovéPole 11"/>
-          <p:cNvSpPr txBox="1"/>
-          <p:nvPr/>
-        </p:nvSpPr>
-        <p:spPr>
-          <a:xfrm>
-            <a:off x="2627784" y="1709395"/>
-            <a:ext cx="5616624" cy="646331"/>
-          </a:xfrm>
-          <a:prstGeom prst="rect">
-            <a:avLst/>
-          </a:prstGeom>
-          <a:noFill/>
-        </p:spPr>
-        <p:txBody>
-          <a:bodyPr wrap="square" rtlCol="0">
-            <a:spAutoFit/>
-          </a:bodyPr>
-          <a:lstStyle/>
-          <a:p>
-            <a:pPr latinLnBrk="0" hangingPunct="0"/>
-            <a:r>
-              <a:rPr lang="cs-CZ" sz="1200" dirty="0">
-                <a:latin typeface="Andale Mono" charset="0"/>
-                <a:ea typeface="Andale Mono" charset="0"/>
-                <a:cs typeface="Andale Mono" charset="0"/>
-              </a:rPr>
-              <a:t>Určitě by to mohla být část, kde se definují piny pomocí funkce </a:t>
-            </a:r>
-            <a:r>
-              <a:rPr lang="cs-CZ" sz="1200" dirty="0" err="1">
-                <a:solidFill>
-                  <a:srgbClr val="F2A40D"/>
-                </a:solidFill>
-                <a:latin typeface="Andale Mono" charset="0"/>
-                <a:ea typeface="Andale Mono" charset="0"/>
-                <a:cs typeface="Andale Mono" charset="0"/>
-              </a:rPr>
-              <a:t>pinMode</a:t>
-            </a:r>
-            <a:r>
-              <a:rPr lang="cs-CZ" sz="1200" dirty="0">
-                <a:latin typeface="Andale Mono" charset="0"/>
-                <a:ea typeface="Andale Mono" charset="0"/>
-                <a:cs typeface="Andale Mono" charset="0"/>
-              </a:rPr>
-              <a:t>() a dále při volání vlastní funkce </a:t>
-            </a:r>
-            <a:r>
-              <a:rPr lang="cs-CZ" sz="1200" dirty="0" err="1">
-                <a:solidFill>
-                  <a:srgbClr val="F2A40D"/>
-                </a:solidFill>
-                <a:latin typeface="Andale Mono" charset="0"/>
-                <a:ea typeface="Andale Mono" charset="0"/>
-                <a:cs typeface="Andale Mono" charset="0"/>
-              </a:rPr>
-              <a:t>changeLed</a:t>
-            </a:r>
-            <a:r>
-              <a:rPr lang="cs-CZ" sz="1200" dirty="0">
-                <a:latin typeface="Andale Mono" charset="0"/>
-                <a:ea typeface="Andale Mono" charset="0"/>
-                <a:cs typeface="Andale Mono" charset="0"/>
-              </a:rPr>
-              <a:t>().</a:t>
-            </a:r>
-          </a:p>
-        </p:txBody>
-      </p:sp>
-    </p:spTree>
-    <p:extLst>
-      <p:ext uri="{BB962C8B-B14F-4D97-AF65-F5344CB8AC3E}">
-        <p14:creationId xmlns:p14="http://schemas.microsoft.com/office/powerpoint/2010/main" val="761167520"/>
+        <p14:creationId xmlns:p14="http://schemas.microsoft.com/office/powerpoint/2010/main" val="487871600"/>
       </p:ext>
     </p:extLst>
   </p:cSld>
@@ -8381,7 +7566,7 @@
                                           </p:stCondLst>
                                         </p:cTn>
                                         <p:tgtEl>
-                                          <p:spTgt spid="12"/>
+                                          <p:spTgt spid="21"/>
                                         </p:tgtEl>
                                         <p:attrNameLst>
                                           <p:attrName>style.visibility</p:attrName>
@@ -8395,7 +7580,112 @@
                                       <p:cBhvr>
                                         <p:cTn id="7" dur="500"/>
                                         <p:tgtEl>
-                                          <p:spTgt spid="12"/>
+                                          <p:spTgt spid="21"/>
+                                        </p:tgtEl>
+                                      </p:cBhvr>
+                                    </p:animEffect>
+                                  </p:childTnLst>
+                                </p:cTn>
+                              </p:par>
+                              <p:par>
+                                <p:cTn id="8" presetID="3" presetClass="entr" presetSubtype="10" fill="hold" nodeType="withEffect">
+                                  <p:stCondLst>
+                                    <p:cond delay="0"/>
+                                  </p:stCondLst>
+                                  <p:childTnLst>
+                                    <p:set>
+                                      <p:cBhvr>
+                                        <p:cTn id="9" dur="1" fill="hold">
+                                          <p:stCondLst>
+                                            <p:cond delay="0"/>
+                                          </p:stCondLst>
+                                        </p:cTn>
+                                        <p:tgtEl>
+                                          <p:spTgt spid="22"/>
+                                        </p:tgtEl>
+                                        <p:attrNameLst>
+                                          <p:attrName>style.visibility</p:attrName>
+                                        </p:attrNameLst>
+                                      </p:cBhvr>
+                                      <p:to>
+                                        <p:strVal val="visible"/>
+                                      </p:to>
+                                    </p:set>
+                                    <p:animEffect transition="in" filter="blinds(horizontal)">
+                                      <p:cBhvr>
+                                        <p:cTn id="10" dur="500"/>
+                                        <p:tgtEl>
+                                          <p:spTgt spid="22"/>
+                                        </p:tgtEl>
+                                      </p:cBhvr>
+                                    </p:animEffect>
+                                  </p:childTnLst>
+                                </p:cTn>
+                              </p:par>
+                              <p:par>
+                                <p:cTn id="11" presetID="3" presetClass="entr" presetSubtype="10" fill="hold" nodeType="withEffect">
+                                  <p:stCondLst>
+                                    <p:cond delay="0"/>
+                                  </p:stCondLst>
+                                  <p:childTnLst>
+                                    <p:set>
+                                      <p:cBhvr>
+                                        <p:cTn id="12" dur="1" fill="hold">
+                                          <p:stCondLst>
+                                            <p:cond delay="0"/>
+                                          </p:stCondLst>
+                                        </p:cTn>
+                                        <p:tgtEl>
+                                          <p:spTgt spid="11"/>
+                                        </p:tgtEl>
+                                        <p:attrNameLst>
+                                          <p:attrName>style.visibility</p:attrName>
+                                        </p:attrNameLst>
+                                      </p:cBhvr>
+                                      <p:to>
+                                        <p:strVal val="visible"/>
+                                      </p:to>
+                                    </p:set>
+                                    <p:animEffect transition="in" filter="blinds(horizontal)">
+                                      <p:cBhvr>
+                                        <p:cTn id="13" dur="500"/>
+                                        <p:tgtEl>
+                                          <p:spTgt spid="11"/>
+                                        </p:tgtEl>
+                                      </p:cBhvr>
+                                    </p:animEffect>
+                                  </p:childTnLst>
+                                </p:cTn>
+                              </p:par>
+                              <p:par>
+                                <p:cTn id="14" presetID="3" presetClass="entr" presetSubtype="10" fill="hold" nodeType="withEffect">
+                                  <p:stCondLst>
+                                    <p:cond delay="0"/>
+                                  </p:stCondLst>
+                                  <p:childTnLst>
+                                    <p:set>
+                                      <p:cBhvr>
+                                        <p:cTn id="15" dur="1" fill="hold">
+                                          <p:stCondLst>
+                                            <p:cond delay="0"/>
+                                          </p:stCondLst>
+                                        </p:cTn>
+                                        <p:tgtEl>
+                                          <p:spTgt spid="5"/>
+                                        </p:tgtEl>
+                                        <p:attrNameLst>
+                                          <p:attrName>style.visibility</p:attrName>
+                                        </p:attrNameLst>
+                                      </p:cBhvr>
+                                      <p:to>
+                                        <p:strVal val="visible"/>
+                                      </p:to>
+                                    </p:set>
+                                    <p:animEffect transition="in" filter="blinds(horizontal)">
+                                      <p:cBhvr>
+                                        <p:cTn id="16" dur="500"/>
+                                        <p:tgtEl>
+                                          <p:spTgt spid="5"/>
                                         </p:tgtEl>
                                       </p:cBhvr>
                                     </p:animEffect>
@@ -8430,13 +7720,13 @@
       </p:par>
     </p:tnLst>
     <p:bldLst>
-      <p:bldP spid="12" grpId="0"/>
+      <p:bldP spid="21" grpId="0"/>
     </p:bldLst>
   </p:timing>
 </p:sld>
 </file>
 
-<file path=ppt/slides/slide12.xml><?xml version="1.0" encoding="utf-8"?>
+<file path=ppt/slides/slide2.xml><?xml version="1.0" encoding="utf-8"?>
 <p:sld xmlns:a="http://schemas.openxmlformats.org/drawingml/2006/main" xmlns:r="http://schemas.openxmlformats.org/officeDocument/2006/relationships" xmlns:p="http://schemas.openxmlformats.org/presentationml/2006/main">
   <p:cSld>
     <p:spTree>
@@ -8668,7 +7958,7 @@
                 <a:ea typeface="Andale Mono" charset="0"/>
                 <a:cs typeface="Andale Mono" charset="0"/>
               </a:rPr>
-              <a:t>Úkol</a:t>
+              <a:t>Sestavení</a:t>
             </a:r>
             <a:r>
               <a:rPr lang="en-US" altLang="ko-KR" sz="1800" b="1" dirty="0" smtClean="0">
@@ -8679,10 +7969,10 @@
                 <a:ea typeface="Andale Mono" charset="0"/>
                 <a:cs typeface="Andale Mono" charset="0"/>
               </a:rPr>
-              <a:t> pro </a:t>
-            </a:r>
-            <a:br>
-              <a:rPr lang="en-US" altLang="ko-KR" sz="1800" b="1" dirty="0" smtClean="0">
+              <a:t> </a:t>
+            </a:r>
+            <a:r>
+              <a:rPr lang="en-US" altLang="ko-KR" sz="1800" b="1" dirty="0" err="1" smtClean="0">
                 <a:solidFill>
                   <a:schemeClr val="bg1"/>
                 </a:solidFill>
@@ -8690,17 +7980,7 @@
                 <a:ea typeface="Andale Mono" charset="0"/>
                 <a:cs typeface="Andale Mono" charset="0"/>
               </a:rPr>
-            </a:br>
-            <a:r>
-              <a:rPr lang="en-US" altLang="ko-KR" sz="1800" b="1" dirty="0" err="1" smtClean="0">
-                <a:solidFill>
-                  <a:schemeClr val="bg1"/>
-                </a:solidFill>
-                <a:latin typeface="Andale Mono" charset="0"/>
-                <a:ea typeface="Andale Mono" charset="0"/>
-                <a:cs typeface="Andale Mono" charset="0"/>
-              </a:rPr>
-              <a:t>vás</a:t>
+              <a:t>obvodu</a:t>
             </a:r>
             <a:endParaRPr lang="ko-KR" altLang="en-US" sz="1800" b="1" dirty="0">
               <a:solidFill>
@@ -8812,1318 +8092,6 @@
           </p:txBody>
         </p:sp>
       </p:grpSp>
-      <p:sp>
-        <p:nvSpPr>
-          <p:cNvPr id="18" name="TextovéPole 17"/>
-          <p:cNvSpPr txBox="1"/>
-          <p:nvPr/>
-        </p:nvSpPr>
-        <p:spPr>
-          <a:xfrm>
-            <a:off x="2411760" y="316069"/>
-            <a:ext cx="6336704" cy="1077218"/>
-          </a:xfrm>
-          <a:prstGeom prst="rect">
-            <a:avLst/>
-          </a:prstGeom>
-          <a:noFill/>
-        </p:spPr>
-        <p:txBody>
-          <a:bodyPr wrap="square" rtlCol="0">
-            <a:spAutoFit/>
-          </a:bodyPr>
-          <a:lstStyle/>
-          <a:p>
-            <a:pPr latinLnBrk="0" hangingPunct="0"/>
-            <a:r>
-              <a:rPr lang="cs-CZ" sz="1600" dirty="0">
-                <a:solidFill>
-                  <a:srgbClr val="AB7942"/>
-                </a:solidFill>
-                <a:latin typeface="Andale Mono" charset="0"/>
-                <a:ea typeface="Andale Mono" charset="0"/>
-                <a:cs typeface="Andale Mono" charset="0"/>
-              </a:rPr>
-              <a:t>Předchozí úkol, ve kterém jste čísla pinů nahradili prvky pole, upravte tak, abyste použili příkaz cyklu </a:t>
-            </a:r>
-            <a:r>
-              <a:rPr lang="cs-CZ" sz="1600" b="1" dirty="0" err="1">
-                <a:solidFill>
-                  <a:srgbClr val="AB7942"/>
-                </a:solidFill>
-                <a:latin typeface="Andale Mono" charset="0"/>
-                <a:ea typeface="Andale Mono" charset="0"/>
-                <a:cs typeface="Andale Mono" charset="0"/>
-              </a:rPr>
-              <a:t>for</a:t>
-            </a:r>
-            <a:r>
-              <a:rPr lang="cs-CZ" sz="1600" dirty="0">
-                <a:solidFill>
-                  <a:srgbClr val="AB7942"/>
-                </a:solidFill>
-                <a:latin typeface="Andale Mono" charset="0"/>
-                <a:ea typeface="Andale Mono" charset="0"/>
-                <a:cs typeface="Andale Mono" charset="0"/>
-              </a:rPr>
-              <a:t> a světlo diod probíhalo z jedné strany na druhou, neustále dokola.</a:t>
-            </a:r>
-          </a:p>
-        </p:txBody>
-      </p:sp>
-      <p:cxnSp>
-        <p:nvCxnSpPr>
-          <p:cNvPr id="11" name="Přímá spojnice 10"/>
-          <p:cNvCxnSpPr/>
-          <p:nvPr/>
-        </p:nvCxnSpPr>
-        <p:spPr>
-          <a:xfrm>
-            <a:off x="6156176" y="1851670"/>
-            <a:ext cx="0" cy="2932534"/>
-          </a:xfrm>
-          <a:prstGeom prst="line">
-            <a:avLst/>
-          </a:prstGeom>
-        </p:spPr>
-        <p:style>
-          <a:lnRef idx="1">
-            <a:schemeClr val="accent1"/>
-          </a:lnRef>
-          <a:fillRef idx="0">
-            <a:schemeClr val="accent1"/>
-          </a:fillRef>
-          <a:effectRef idx="0">
-            <a:schemeClr val="accent1"/>
-          </a:effectRef>
-          <a:fontRef idx="minor">
-            <a:schemeClr val="tx1"/>
-          </a:fontRef>
-        </p:style>
-      </p:cxnSp>
-      <p:graphicFrame>
-        <p:nvGraphicFramePr>
-          <p:cNvPr id="2" name="Objekt 1"/>
-          <p:cNvGraphicFramePr>
-            <a:graphicFrameLocks noChangeAspect="1"/>
-          </p:cNvGraphicFramePr>
-          <p:nvPr>
-            <p:extLst>
-              <p:ext uri="{D42A27DB-BD31-4B8C-83A1-F6EECF244321}">
-                <p14:modId xmlns:p14="http://schemas.microsoft.com/office/powerpoint/2010/main" val="1704749966"/>
-              </p:ext>
-            </p:extLst>
-          </p:nvPr>
-        </p:nvGraphicFramePr>
-        <p:xfrm>
-          <a:off x="2051720" y="1635646"/>
-          <a:ext cx="6413500" cy="2768600"/>
-        </p:xfrm>
-        <a:graphic>
-          <a:graphicData uri="http://schemas.openxmlformats.org/presentationml/2006/ole">
-            <mc:AlternateContent xmlns:mc="http://schemas.openxmlformats.org/markup-compatibility/2006">
-              <mc:Choice xmlns:v="urn:schemas-microsoft-com:vml" Requires="v">
-                <p:oleObj spid="_x0000_s18470" name="Dokument" r:id="rId5" imgW="6413500" imgH="2768600" progId="Word.Document.12">
-                  <p:embed/>
-                </p:oleObj>
-              </mc:Choice>
-              <mc:Fallback>
-                <p:oleObj name="Dokument" r:id="rId5" imgW="6413500" imgH="2768600" progId="Word.Document.12">
-                  <p:embed/>
-                  <p:pic>
-                    <p:nvPicPr>
-                      <p:cNvPr id="0" name=""/>
-                      <p:cNvPicPr/>
-                      <p:nvPr/>
-                    </p:nvPicPr>
-                    <p:blipFill>
-                      <a:blip r:embed="rId6"/>
-                      <a:stretch>
-                        <a:fillRect/>
-                      </a:stretch>
-                    </p:blipFill>
-                    <p:spPr>
-                      <a:xfrm>
-                        <a:off x="2051720" y="1635646"/>
-                        <a:ext cx="6413500" cy="2768600"/>
-                      </a:xfrm>
-                      <a:prstGeom prst="rect">
-                        <a:avLst/>
-                      </a:prstGeom>
-                    </p:spPr>
-                  </p:pic>
-                </p:oleObj>
-              </mc:Fallback>
-            </mc:AlternateContent>
-          </a:graphicData>
-        </a:graphic>
-      </p:graphicFrame>
-      <p:graphicFrame>
-        <p:nvGraphicFramePr>
-          <p:cNvPr id="3" name="Objekt 2"/>
-          <p:cNvGraphicFramePr>
-            <a:graphicFrameLocks noChangeAspect="1"/>
-          </p:cNvGraphicFramePr>
-          <p:nvPr>
-            <p:extLst>
-              <p:ext uri="{D42A27DB-BD31-4B8C-83A1-F6EECF244321}">
-                <p14:modId xmlns:p14="http://schemas.microsoft.com/office/powerpoint/2010/main" val="1915830875"/>
-              </p:ext>
-            </p:extLst>
-          </p:nvPr>
-        </p:nvGraphicFramePr>
-        <p:xfrm>
-          <a:off x="6516216" y="2571750"/>
-          <a:ext cx="5575300" cy="1206500"/>
-        </p:xfrm>
-        <a:graphic>
-          <a:graphicData uri="http://schemas.openxmlformats.org/presentationml/2006/ole">
-            <mc:AlternateContent xmlns:mc="http://schemas.openxmlformats.org/markup-compatibility/2006">
-              <mc:Choice xmlns:v="urn:schemas-microsoft-com:vml" Requires="v">
-                <p:oleObj spid="_x0000_s18471" name="Dokument" r:id="rId7" imgW="5575300" imgH="1206500" progId="Word.Document.12">
-                  <p:embed/>
-                </p:oleObj>
-              </mc:Choice>
-              <mc:Fallback>
-                <p:oleObj name="Dokument" r:id="rId7" imgW="5575300" imgH="1206500" progId="Word.Document.12">
-                  <p:embed/>
-                  <p:pic>
-                    <p:nvPicPr>
-                      <p:cNvPr id="0" name=""/>
-                      <p:cNvPicPr/>
-                      <p:nvPr/>
-                    </p:nvPicPr>
-                    <p:blipFill>
-                      <a:blip r:embed="rId8"/>
-                      <a:stretch>
-                        <a:fillRect/>
-                      </a:stretch>
-                    </p:blipFill>
-                    <p:spPr>
-                      <a:xfrm>
-                        <a:off x="6516216" y="2571750"/>
-                        <a:ext cx="5575300" cy="1206500"/>
-                      </a:xfrm>
-                      <a:prstGeom prst="rect">
-                        <a:avLst/>
-                      </a:prstGeom>
-                    </p:spPr>
-                  </p:pic>
-                </p:oleObj>
-              </mc:Fallback>
-            </mc:AlternateContent>
-          </a:graphicData>
-        </a:graphic>
-      </p:graphicFrame>
-    </p:spTree>
-    <p:extLst>
-      <p:ext uri="{BB962C8B-B14F-4D97-AF65-F5344CB8AC3E}">
-        <p14:creationId xmlns:p14="http://schemas.microsoft.com/office/powerpoint/2010/main" val="1359130932"/>
-      </p:ext>
-    </p:extLst>
-  </p:cSld>
-  <p:clrMapOvr>
-    <a:masterClrMapping/>
-  </p:clrMapOvr>
-  <p:timing>
-    <p:tnLst>
-      <p:par>
-        <p:cTn id="1" dur="indefinite" restart="never" nodeType="tmRoot">
-          <p:childTnLst>
-            <p:seq concurrent="1" nextAc="seek">
-              <p:cTn id="2" dur="indefinite" nodeType="mainSeq">
-                <p:childTnLst>
-                  <p:par>
-                    <p:cTn id="3" fill="hold">
-                      <p:stCondLst>
-                        <p:cond delay="indefinite"/>
-                      </p:stCondLst>
-                      <p:childTnLst>
-                        <p:par>
-                          <p:cTn id="4" fill="hold">
-                            <p:stCondLst>
-                              <p:cond delay="0"/>
-                            </p:stCondLst>
-                            <p:childTnLst>
-                              <p:par>
-                                <p:cTn id="5" presetID="3" presetClass="entr" presetSubtype="10" fill="hold" nodeType="clickEffect">
-                                  <p:stCondLst>
-                                    <p:cond delay="0"/>
-                                  </p:stCondLst>
-                                  <p:childTnLst>
-                                    <p:set>
-                                      <p:cBhvr>
-                                        <p:cTn id="6" dur="1" fill="hold">
-                                          <p:stCondLst>
-                                            <p:cond delay="0"/>
-                                          </p:stCondLst>
-                                        </p:cTn>
-                                        <p:tgtEl>
-                                          <p:spTgt spid="2"/>
-                                        </p:tgtEl>
-                                        <p:attrNameLst>
-                                          <p:attrName>style.visibility</p:attrName>
-                                        </p:attrNameLst>
-                                      </p:cBhvr>
-                                      <p:to>
-                                        <p:strVal val="visible"/>
-                                      </p:to>
-                                    </p:set>
-                                    <p:animEffect transition="in" filter="blinds(horizontal)">
-                                      <p:cBhvr>
-                                        <p:cTn id="7" dur="500"/>
-                                        <p:tgtEl>
-                                          <p:spTgt spid="2"/>
-                                        </p:tgtEl>
-                                      </p:cBhvr>
-                                    </p:animEffect>
-                                  </p:childTnLst>
-                                </p:cTn>
-                              </p:par>
-                              <p:par>
-                                <p:cTn id="8" presetID="3" presetClass="entr" presetSubtype="10" fill="hold" nodeType="withEffect">
-                                  <p:stCondLst>
-                                    <p:cond delay="0"/>
-                                  </p:stCondLst>
-                                  <p:childTnLst>
-                                    <p:set>
-                                      <p:cBhvr>
-                                        <p:cTn id="9" dur="1" fill="hold">
-                                          <p:stCondLst>
-                                            <p:cond delay="0"/>
-                                          </p:stCondLst>
-                                        </p:cTn>
-                                        <p:tgtEl>
-                                          <p:spTgt spid="11"/>
-                                        </p:tgtEl>
-                                        <p:attrNameLst>
-                                          <p:attrName>style.visibility</p:attrName>
-                                        </p:attrNameLst>
-                                      </p:cBhvr>
-                                      <p:to>
-                                        <p:strVal val="visible"/>
-                                      </p:to>
-                                    </p:set>
-                                    <p:animEffect transition="in" filter="blinds(horizontal)">
-                                      <p:cBhvr>
-                                        <p:cTn id="10" dur="500"/>
-                                        <p:tgtEl>
-                                          <p:spTgt spid="11"/>
-                                        </p:tgtEl>
-                                      </p:cBhvr>
-                                    </p:animEffect>
-                                  </p:childTnLst>
-                                </p:cTn>
-                              </p:par>
-                              <p:par>
-                                <p:cTn id="11" presetID="3" presetClass="entr" presetSubtype="10" fill="hold" nodeType="withEffect">
-                                  <p:stCondLst>
-                                    <p:cond delay="0"/>
-                                  </p:stCondLst>
-                                  <p:childTnLst>
-                                    <p:set>
-                                      <p:cBhvr>
-                                        <p:cTn id="12" dur="1" fill="hold">
-                                          <p:stCondLst>
-                                            <p:cond delay="0"/>
-                                          </p:stCondLst>
-                                        </p:cTn>
-                                        <p:tgtEl>
-                                          <p:spTgt spid="3"/>
-                                        </p:tgtEl>
-                                        <p:attrNameLst>
-                                          <p:attrName>style.visibility</p:attrName>
-                                        </p:attrNameLst>
-                                      </p:cBhvr>
-                                      <p:to>
-                                        <p:strVal val="visible"/>
-                                      </p:to>
-                                    </p:set>
-                                    <p:animEffect transition="in" filter="blinds(horizontal)">
-                                      <p:cBhvr>
-                                        <p:cTn id="13" dur="500"/>
-                                        <p:tgtEl>
-                                          <p:spTgt spid="3"/>
-                                        </p:tgtEl>
-                                      </p:cBhvr>
-                                    </p:animEffect>
-                                  </p:childTnLst>
-                                </p:cTn>
-                              </p:par>
-                            </p:childTnLst>
-                          </p:cTn>
-                        </p:par>
-                      </p:childTnLst>
-                    </p:cTn>
-                  </p:par>
-                </p:childTnLst>
-              </p:cTn>
-              <p:prevCondLst>
-                <p:cond evt="onPrev" delay="0">
-                  <p:tgtEl>
-                    <p:sldTgt/>
-                  </p:tgtEl>
-                </p:cond>
-              </p:prevCondLst>
-              <p:nextCondLst>
-                <p:cond evt="onNext" delay="0">
-                  <p:tgtEl>
-                    <p:sldTgt/>
-                  </p:tgtEl>
-                </p:cond>
-              </p:nextCondLst>
-            </p:seq>
-          </p:childTnLst>
-        </p:cTn>
-      </p:par>
-    </p:tnLst>
-  </p:timing>
-</p:sld>
-</file>
-
-<file path=ppt/slides/slide13.xml><?xml version="1.0" encoding="utf-8"?>
-<p:sld xmlns:a="http://schemas.openxmlformats.org/drawingml/2006/main" xmlns:r="http://schemas.openxmlformats.org/officeDocument/2006/relationships" xmlns:p="http://schemas.openxmlformats.org/presentationml/2006/main">
-  <p:cSld>
-    <p:spTree>
-      <p:nvGrpSpPr>
-        <p:cNvPr id="1" name=""/>
-        <p:cNvGrpSpPr/>
-        <p:nvPr/>
-      </p:nvGrpSpPr>
-      <p:grpSpPr>
-        <a:xfrm>
-          <a:off x="0" y="0"/>
-          <a:ext cx="0" cy="0"/>
-          <a:chOff x="0" y="0"/>
-          <a:chExt cx="0" cy="0"/>
-        </a:xfrm>
-      </p:grpSpPr>
-      <p:sp>
-        <p:nvSpPr>
-          <p:cNvPr id="14" name="Rectangle 13"/>
-          <p:cNvSpPr/>
-          <p:nvPr/>
-        </p:nvSpPr>
-        <p:spPr>
-          <a:xfrm>
-            <a:off x="-36512" y="0"/>
-            <a:ext cx="2016224" cy="5143500"/>
-          </a:xfrm>
-          <a:prstGeom prst="rect">
-            <a:avLst/>
-          </a:prstGeom>
-          <a:solidFill>
-            <a:schemeClr val="accent1"/>
-          </a:solidFill>
-          <a:ln>
-            <a:noFill/>
-          </a:ln>
-        </p:spPr>
-        <p:style>
-          <a:lnRef idx="2">
-            <a:schemeClr val="accent1">
-              <a:shade val="50000"/>
-            </a:schemeClr>
-          </a:lnRef>
-          <a:fillRef idx="1">
-            <a:schemeClr val="accent1"/>
-          </a:fillRef>
-          <a:effectRef idx="0">
-            <a:schemeClr val="accent1"/>
-          </a:effectRef>
-          <a:fontRef idx="minor">
-            <a:schemeClr val="lt1"/>
-          </a:fontRef>
-        </p:style>
-        <p:txBody>
-          <a:bodyPr rtlCol="0" anchor="ctr"/>
-          <a:lstStyle/>
-          <a:p>
-            <a:pPr algn="ctr"/>
-            <a:endParaRPr lang="ko-KR" altLang="en-US"/>
-          </a:p>
-        </p:txBody>
-      </p:sp>
-      <p:sp>
-        <p:nvSpPr>
-          <p:cNvPr id="20" name="Text Placeholder 1"/>
-          <p:cNvSpPr txBox="1">
-            <a:spLocks/>
-          </p:cNvSpPr>
-          <p:nvPr/>
-        </p:nvSpPr>
-        <p:spPr>
-          <a:xfrm>
-            <a:off x="-36512" y="555526"/>
-            <a:ext cx="1980220" cy="1440408"/>
-          </a:xfrm>
-          <a:prstGeom prst="rect">
-            <a:avLst/>
-          </a:prstGeom>
-        </p:spPr>
-        <p:txBody>
-          <a:bodyPr/>
-          <a:lstStyle>
-            <a:lvl1pPr marL="342900" indent="-342900" algn="l" defTabSz="914400" rtl="0" eaLnBrk="1" latinLnBrk="1" hangingPunct="1">
-              <a:spcBef>
-                <a:spcPct val="20000"/>
-              </a:spcBef>
-              <a:buFont typeface="Arial" pitchFamily="34" charset="0"/>
-              <a:buChar char="•"/>
-              <a:defRPr sz="3200" kern="1200">
-                <a:solidFill>
-                  <a:schemeClr val="tx1"/>
-                </a:solidFill>
-                <a:latin typeface="+mn-lt"/>
-                <a:ea typeface="+mn-ea"/>
-                <a:cs typeface="+mn-cs"/>
-              </a:defRPr>
-            </a:lvl1pPr>
-            <a:lvl2pPr marL="742950" indent="-285750" algn="l" defTabSz="914400" rtl="0" eaLnBrk="1" latinLnBrk="1" hangingPunct="1">
-              <a:spcBef>
-                <a:spcPct val="20000"/>
-              </a:spcBef>
-              <a:buFont typeface="Arial" pitchFamily="34" charset="0"/>
-              <a:buChar char="–"/>
-              <a:defRPr sz="2800" kern="1200">
-                <a:solidFill>
-                  <a:schemeClr val="tx1"/>
-                </a:solidFill>
-                <a:latin typeface="+mn-lt"/>
-                <a:ea typeface="+mn-ea"/>
-                <a:cs typeface="+mn-cs"/>
-              </a:defRPr>
-            </a:lvl2pPr>
-            <a:lvl3pPr marL="1143000" indent="-228600" algn="l" defTabSz="914400" rtl="0" eaLnBrk="1" latinLnBrk="1" hangingPunct="1">
-              <a:spcBef>
-                <a:spcPct val="20000"/>
-              </a:spcBef>
-              <a:buFont typeface="Arial" pitchFamily="34" charset="0"/>
-              <a:buChar char="•"/>
-              <a:defRPr sz="2400" kern="1200">
-                <a:solidFill>
-                  <a:schemeClr val="tx1"/>
-                </a:solidFill>
-                <a:latin typeface="+mn-lt"/>
-                <a:ea typeface="+mn-ea"/>
-                <a:cs typeface="+mn-cs"/>
-              </a:defRPr>
-            </a:lvl3pPr>
-            <a:lvl4pPr marL="1600200" indent="-228600" algn="l" defTabSz="914400" rtl="0" eaLnBrk="1" latinLnBrk="1" hangingPunct="1">
-              <a:spcBef>
-                <a:spcPct val="20000"/>
-              </a:spcBef>
-              <a:buFont typeface="Arial" pitchFamily="34" charset="0"/>
-              <a:buChar char="–"/>
-              <a:defRPr sz="2000" kern="1200">
-                <a:solidFill>
-                  <a:schemeClr val="tx1"/>
-                </a:solidFill>
-                <a:latin typeface="+mn-lt"/>
-                <a:ea typeface="+mn-ea"/>
-                <a:cs typeface="+mn-cs"/>
-              </a:defRPr>
-            </a:lvl4pPr>
-            <a:lvl5pPr marL="2057400" indent="-228600" algn="l" defTabSz="914400" rtl="0" eaLnBrk="1" latinLnBrk="1" hangingPunct="1">
-              <a:spcBef>
-                <a:spcPct val="20000"/>
-              </a:spcBef>
-              <a:buFont typeface="Arial" pitchFamily="34" charset="0"/>
-              <a:buChar char="»"/>
-              <a:defRPr sz="2000" kern="1200">
-                <a:solidFill>
-                  <a:schemeClr val="tx1"/>
-                </a:solidFill>
-                <a:latin typeface="+mn-lt"/>
-                <a:ea typeface="+mn-ea"/>
-                <a:cs typeface="+mn-cs"/>
-              </a:defRPr>
-            </a:lvl5pPr>
-            <a:lvl6pPr marL="2514600" indent="-228600" algn="l" defTabSz="914400" rtl="0" eaLnBrk="1" latinLnBrk="1" hangingPunct="1">
-              <a:spcBef>
-                <a:spcPct val="20000"/>
-              </a:spcBef>
-              <a:buFont typeface="Arial" pitchFamily="34" charset="0"/>
-              <a:buChar char="•"/>
-              <a:defRPr sz="2000" kern="1200">
-                <a:solidFill>
-                  <a:schemeClr val="tx1"/>
-                </a:solidFill>
-                <a:latin typeface="+mn-lt"/>
-                <a:ea typeface="+mn-ea"/>
-                <a:cs typeface="+mn-cs"/>
-              </a:defRPr>
-            </a:lvl6pPr>
-            <a:lvl7pPr marL="2971800" indent="-228600" algn="l" defTabSz="914400" rtl="0" eaLnBrk="1" latinLnBrk="1" hangingPunct="1">
-              <a:spcBef>
-                <a:spcPct val="20000"/>
-              </a:spcBef>
-              <a:buFont typeface="Arial" pitchFamily="34" charset="0"/>
-              <a:buChar char="•"/>
-              <a:defRPr sz="2000" kern="1200">
-                <a:solidFill>
-                  <a:schemeClr val="tx1"/>
-                </a:solidFill>
-                <a:latin typeface="+mn-lt"/>
-                <a:ea typeface="+mn-ea"/>
-                <a:cs typeface="+mn-cs"/>
-              </a:defRPr>
-            </a:lvl7pPr>
-            <a:lvl8pPr marL="3429000" indent="-228600" algn="l" defTabSz="914400" rtl="0" eaLnBrk="1" latinLnBrk="1" hangingPunct="1">
-              <a:spcBef>
-                <a:spcPct val="20000"/>
-              </a:spcBef>
-              <a:buFont typeface="Arial" pitchFamily="34" charset="0"/>
-              <a:buChar char="•"/>
-              <a:defRPr sz="2000" kern="1200">
-                <a:solidFill>
-                  <a:schemeClr val="tx1"/>
-                </a:solidFill>
-                <a:latin typeface="+mn-lt"/>
-                <a:ea typeface="+mn-ea"/>
-                <a:cs typeface="+mn-cs"/>
-              </a:defRPr>
-            </a:lvl8pPr>
-            <a:lvl9pPr marL="3886200" indent="-228600" algn="l" defTabSz="914400" rtl="0" eaLnBrk="1" latinLnBrk="1" hangingPunct="1">
-              <a:spcBef>
-                <a:spcPct val="20000"/>
-              </a:spcBef>
-              <a:buFont typeface="Arial" pitchFamily="34" charset="0"/>
-              <a:buChar char="•"/>
-              <a:defRPr sz="2000" kern="1200">
-                <a:solidFill>
-                  <a:schemeClr val="tx1"/>
-                </a:solidFill>
-                <a:latin typeface="+mn-lt"/>
-                <a:ea typeface="+mn-ea"/>
-                <a:cs typeface="+mn-cs"/>
-              </a:defRPr>
-            </a:lvl9pPr>
-          </a:lstStyle>
-          <a:p>
-            <a:pPr marL="0" indent="0" algn="r">
-              <a:buNone/>
-            </a:pPr>
-            <a:r>
-              <a:rPr lang="en-US" altLang="ko-KR" sz="1800" b="1" dirty="0" err="1" smtClean="0">
-                <a:solidFill>
-                  <a:schemeClr val="bg1"/>
-                </a:solidFill>
-                <a:latin typeface="Andale Mono" charset="0"/>
-                <a:ea typeface="Andale Mono" charset="0"/>
-                <a:cs typeface="Andale Mono" charset="0"/>
-              </a:rPr>
-              <a:t>Úkol</a:t>
-            </a:r>
-            <a:r>
-              <a:rPr lang="en-US" altLang="ko-KR" sz="1800" b="1" dirty="0" smtClean="0">
-                <a:solidFill>
-                  <a:schemeClr val="bg1"/>
-                </a:solidFill>
-                <a:latin typeface="Andale Mono" charset="0"/>
-                <a:ea typeface="Andale Mono" charset="0"/>
-                <a:cs typeface="Andale Mono" charset="0"/>
-              </a:rPr>
-              <a:t> pro </a:t>
-            </a:r>
-            <a:br>
-              <a:rPr lang="en-US" altLang="ko-KR" sz="1800" b="1" dirty="0" smtClean="0">
-                <a:solidFill>
-                  <a:schemeClr val="bg1"/>
-                </a:solidFill>
-                <a:latin typeface="Andale Mono" charset="0"/>
-                <a:ea typeface="Andale Mono" charset="0"/>
-                <a:cs typeface="Andale Mono" charset="0"/>
-              </a:rPr>
-            </a:br>
-            <a:r>
-              <a:rPr lang="en-US" altLang="ko-KR" sz="1800" b="1" dirty="0" err="1" smtClean="0">
-                <a:solidFill>
-                  <a:schemeClr val="bg1"/>
-                </a:solidFill>
-                <a:latin typeface="Andale Mono" charset="0"/>
-                <a:ea typeface="Andale Mono" charset="0"/>
-                <a:cs typeface="Andale Mono" charset="0"/>
-              </a:rPr>
-              <a:t>vás</a:t>
-            </a:r>
-            <a:endParaRPr lang="ko-KR" altLang="en-US" sz="1800" b="1" dirty="0">
-              <a:solidFill>
-                <a:schemeClr val="bg1"/>
-              </a:solidFill>
-              <a:latin typeface="Andale Mono" charset="0"/>
-              <a:ea typeface="Andale Mono" charset="0"/>
-              <a:cs typeface="Andale Mono" charset="0"/>
-            </a:endParaRPr>
-          </a:p>
-        </p:txBody>
-      </p:sp>
-      <p:grpSp>
-        <p:nvGrpSpPr>
-          <p:cNvPr id="8" name="Skupina 7"/>
-          <p:cNvGrpSpPr/>
-          <p:nvPr/>
-        </p:nvGrpSpPr>
-        <p:grpSpPr>
-          <a:xfrm>
-            <a:off x="395536" y="4659804"/>
-            <a:ext cx="1416811" cy="432226"/>
-            <a:chOff x="7524328" y="199433"/>
-            <a:chExt cx="1416811" cy="432226"/>
-          </a:xfrm>
-        </p:grpSpPr>
-        <p:pic>
-          <p:nvPicPr>
-            <p:cNvPr id="9" name="Obrázek 8"/>
-            <p:cNvPicPr>
-              <a:picLocks noChangeAspect="1"/>
-            </p:cNvPicPr>
-            <p:nvPr/>
-          </p:nvPicPr>
-          <p:blipFill>
-            <a:blip r:embed="rId3">
-              <a:lum bright="70000" contrast="-70000"/>
-              <a:extLst>
-                <a:ext uri="{BEBA8EAE-BF5A-486C-A8C5-ECC9F3942E4B}">
-                  <a14:imgProps xmlns:a14="http://schemas.microsoft.com/office/drawing/2010/main">
-                    <a14:imgLayer r:embed="rId4">
-                      <a14:imgEffect>
-                        <a14:colorTemperature colorTemp="1500"/>
-                      </a14:imgEffect>
-                      <a14:imgEffect>
-                        <a14:saturation sat="0"/>
-                      </a14:imgEffect>
-                    </a14:imgLayer>
-                  </a14:imgProps>
-                </a:ext>
-              </a:extLst>
-            </a:blip>
-            <a:stretch>
-              <a:fillRect/>
-            </a:stretch>
-          </p:blipFill>
-          <p:spPr>
-            <a:xfrm>
-              <a:off x="8411772" y="199433"/>
-              <a:ext cx="529367" cy="360218"/>
-            </a:xfrm>
-            <a:prstGeom prst="rect">
-              <a:avLst/>
-            </a:prstGeom>
-          </p:spPr>
-        </p:pic>
-        <p:sp>
-          <p:nvSpPr>
-            <p:cNvPr id="10" name="TextovéPole 9"/>
-            <p:cNvSpPr txBox="1"/>
-            <p:nvPr/>
-          </p:nvSpPr>
-          <p:spPr>
-            <a:xfrm>
-              <a:off x="7524328" y="416215"/>
-              <a:ext cx="915635" cy="215444"/>
-            </a:xfrm>
-            <a:prstGeom prst="rect">
-              <a:avLst/>
-            </a:prstGeom>
-            <a:noFill/>
-          </p:spPr>
-          <p:txBody>
-            <a:bodyPr wrap="none" rtlCol="0">
-              <a:spAutoFit/>
-            </a:bodyPr>
-            <a:lstStyle/>
-            <a:p>
-              <a:r>
-                <a:rPr lang="cs-CZ" sz="800" b="1" smtClean="0">
-                  <a:solidFill>
-                    <a:schemeClr val="bg1"/>
-                  </a:solidFill>
-                  <a:latin typeface="Andale Mono" charset="0"/>
-                  <a:ea typeface="Andale Mono" charset="0"/>
-                  <a:cs typeface="Andale Mono" charset="0"/>
-                </a:rPr>
-                <a:t>PROGRAMOVÁNÍ</a:t>
-              </a:r>
-              <a:endParaRPr lang="cs-CZ" sz="800" b="1" dirty="0">
-                <a:solidFill>
-                  <a:schemeClr val="bg1"/>
-                </a:solidFill>
-                <a:latin typeface="Andale Mono" charset="0"/>
-                <a:ea typeface="Andale Mono" charset="0"/>
-                <a:cs typeface="Andale Mono" charset="0"/>
-              </a:endParaRPr>
-            </a:p>
-          </p:txBody>
-        </p:sp>
-      </p:grpSp>
-      <p:sp>
-        <p:nvSpPr>
-          <p:cNvPr id="18" name="TextovéPole 17"/>
-          <p:cNvSpPr txBox="1"/>
-          <p:nvPr/>
-        </p:nvSpPr>
-        <p:spPr>
-          <a:xfrm>
-            <a:off x="2411760" y="316069"/>
-            <a:ext cx="6336704" cy="584775"/>
-          </a:xfrm>
-          <a:prstGeom prst="rect">
-            <a:avLst/>
-          </a:prstGeom>
-          <a:noFill/>
-        </p:spPr>
-        <p:txBody>
-          <a:bodyPr wrap="square" rtlCol="0">
-            <a:spAutoFit/>
-          </a:bodyPr>
-          <a:lstStyle/>
-          <a:p>
-            <a:pPr latinLnBrk="0" hangingPunct="0"/>
-            <a:r>
-              <a:rPr lang="cs-CZ" sz="1600" dirty="0">
-                <a:solidFill>
-                  <a:srgbClr val="AB7942"/>
-                </a:solidFill>
-                <a:latin typeface="Andale Mono" charset="0"/>
-                <a:ea typeface="Andale Mono" charset="0"/>
-                <a:cs typeface="Andale Mono" charset="0"/>
-              </a:rPr>
-              <a:t>Upravte programový kód tak, aby se běžící světlo pohybovalo z jedné strany na druhou a zpět.</a:t>
-            </a:r>
-          </a:p>
-        </p:txBody>
-      </p:sp>
-      <p:cxnSp>
-        <p:nvCxnSpPr>
-          <p:cNvPr id="11" name="Přímá spojnice 10"/>
-          <p:cNvCxnSpPr/>
-          <p:nvPr/>
-        </p:nvCxnSpPr>
-        <p:spPr>
-          <a:xfrm>
-            <a:off x="6084168" y="1515331"/>
-            <a:ext cx="0" cy="2932534"/>
-          </a:xfrm>
-          <a:prstGeom prst="line">
-            <a:avLst/>
-          </a:prstGeom>
-        </p:spPr>
-        <p:style>
-          <a:lnRef idx="1">
-            <a:schemeClr val="accent1"/>
-          </a:lnRef>
-          <a:fillRef idx="0">
-            <a:schemeClr val="accent1"/>
-          </a:fillRef>
-          <a:effectRef idx="0">
-            <a:schemeClr val="accent1"/>
-          </a:effectRef>
-          <a:fontRef idx="minor">
-            <a:schemeClr val="tx1"/>
-          </a:fontRef>
-        </p:style>
-      </p:cxnSp>
-      <p:graphicFrame>
-        <p:nvGraphicFramePr>
-          <p:cNvPr id="6" name="Objekt 5"/>
-          <p:cNvGraphicFramePr>
-            <a:graphicFrameLocks noChangeAspect="1"/>
-          </p:cNvGraphicFramePr>
-          <p:nvPr>
-            <p:extLst>
-              <p:ext uri="{D42A27DB-BD31-4B8C-83A1-F6EECF244321}">
-                <p14:modId xmlns:p14="http://schemas.microsoft.com/office/powerpoint/2010/main" val="1000284905"/>
-              </p:ext>
-            </p:extLst>
-          </p:nvPr>
-        </p:nvGraphicFramePr>
-        <p:xfrm>
-          <a:off x="2051720" y="1203598"/>
-          <a:ext cx="6413500" cy="1778000"/>
-        </p:xfrm>
-        <a:graphic>
-          <a:graphicData uri="http://schemas.openxmlformats.org/presentationml/2006/ole">
-            <mc:AlternateContent xmlns:mc="http://schemas.openxmlformats.org/markup-compatibility/2006">
-              <mc:Choice xmlns:v="urn:schemas-microsoft-com:vml" Requires="v">
-                <p:oleObj spid="_x0000_s19490" name="Dokument" r:id="rId5" imgW="6413500" imgH="1778000" progId="Word.Document.12">
-                  <p:embed/>
-                </p:oleObj>
-              </mc:Choice>
-              <mc:Fallback>
-                <p:oleObj name="Dokument" r:id="rId5" imgW="6413500" imgH="1778000" progId="Word.Document.12">
-                  <p:embed/>
-                  <p:pic>
-                    <p:nvPicPr>
-                      <p:cNvPr id="0" name=""/>
-                      <p:cNvPicPr/>
-                      <p:nvPr/>
-                    </p:nvPicPr>
-                    <p:blipFill>
-                      <a:blip r:embed="rId6"/>
-                      <a:stretch>
-                        <a:fillRect/>
-                      </a:stretch>
-                    </p:blipFill>
-                    <p:spPr>
-                      <a:xfrm>
-                        <a:off x="2051720" y="1203598"/>
-                        <a:ext cx="6413500" cy="1778000"/>
-                      </a:xfrm>
-                      <a:prstGeom prst="rect">
-                        <a:avLst/>
-                      </a:prstGeom>
-                    </p:spPr>
-                  </p:pic>
-                </p:oleObj>
-              </mc:Fallback>
-            </mc:AlternateContent>
-          </a:graphicData>
-        </a:graphic>
-      </p:graphicFrame>
-      <p:graphicFrame>
-        <p:nvGraphicFramePr>
-          <p:cNvPr id="7" name="Objekt 6"/>
-          <p:cNvGraphicFramePr>
-            <a:graphicFrameLocks noChangeAspect="1"/>
-          </p:cNvGraphicFramePr>
-          <p:nvPr>
-            <p:extLst>
-              <p:ext uri="{D42A27DB-BD31-4B8C-83A1-F6EECF244321}">
-                <p14:modId xmlns:p14="http://schemas.microsoft.com/office/powerpoint/2010/main" val="1419874967"/>
-              </p:ext>
-            </p:extLst>
-          </p:nvPr>
-        </p:nvGraphicFramePr>
-        <p:xfrm>
-          <a:off x="6356350" y="1480974"/>
-          <a:ext cx="5575300" cy="3022600"/>
-        </p:xfrm>
-        <a:graphic>
-          <a:graphicData uri="http://schemas.openxmlformats.org/presentationml/2006/ole">
-            <mc:AlternateContent xmlns:mc="http://schemas.openxmlformats.org/markup-compatibility/2006">
-              <mc:Choice xmlns:v="urn:schemas-microsoft-com:vml" Requires="v">
-                <p:oleObj spid="_x0000_s19491" name="Dokument" r:id="rId7" imgW="5575300" imgH="3022600" progId="Word.Document.12">
-                  <p:embed/>
-                </p:oleObj>
-              </mc:Choice>
-              <mc:Fallback>
-                <p:oleObj name="Dokument" r:id="rId7" imgW="5575300" imgH="3022600" progId="Word.Document.12">
-                  <p:embed/>
-                  <p:pic>
-                    <p:nvPicPr>
-                      <p:cNvPr id="0" name=""/>
-                      <p:cNvPicPr/>
-                      <p:nvPr/>
-                    </p:nvPicPr>
-                    <p:blipFill>
-                      <a:blip r:embed="rId8"/>
-                      <a:stretch>
-                        <a:fillRect/>
-                      </a:stretch>
-                    </p:blipFill>
-                    <p:spPr>
-                      <a:xfrm>
-                        <a:off x="6356350" y="1480974"/>
-                        <a:ext cx="5575300" cy="3022600"/>
-                      </a:xfrm>
-                      <a:prstGeom prst="rect">
-                        <a:avLst/>
-                      </a:prstGeom>
-                    </p:spPr>
-                  </p:pic>
-                </p:oleObj>
-              </mc:Fallback>
-            </mc:AlternateContent>
-          </a:graphicData>
-        </a:graphic>
-      </p:graphicFrame>
-    </p:spTree>
-    <p:extLst>
-      <p:ext uri="{BB962C8B-B14F-4D97-AF65-F5344CB8AC3E}">
-        <p14:creationId xmlns:p14="http://schemas.microsoft.com/office/powerpoint/2010/main" val="1236021640"/>
-      </p:ext>
-    </p:extLst>
-  </p:cSld>
-  <p:clrMapOvr>
-    <a:masterClrMapping/>
-  </p:clrMapOvr>
-  <p:timing>
-    <p:tnLst>
-      <p:par>
-        <p:cTn id="1" dur="indefinite" restart="never" nodeType="tmRoot"/>
-      </p:par>
-    </p:tnLst>
-  </p:timing>
-</p:sld>
-</file>
-
-<file path=ppt/slides/slide2.xml><?xml version="1.0" encoding="utf-8"?>
-<p:sld xmlns:a="http://schemas.openxmlformats.org/drawingml/2006/main" xmlns:r="http://schemas.openxmlformats.org/officeDocument/2006/relationships" xmlns:p="http://schemas.openxmlformats.org/presentationml/2006/main">
-  <p:cSld>
-    <p:spTree>
-      <p:nvGrpSpPr>
-        <p:cNvPr id="1" name=""/>
-        <p:cNvGrpSpPr/>
-        <p:nvPr/>
-      </p:nvGrpSpPr>
-      <p:grpSpPr>
-        <a:xfrm>
-          <a:off x="0" y="0"/>
-          <a:ext cx="0" cy="0"/>
-          <a:chOff x="0" y="0"/>
-          <a:chExt cx="0" cy="0"/>
-        </a:xfrm>
-      </p:grpSpPr>
-      <p:sp>
-        <p:nvSpPr>
-          <p:cNvPr id="14" name="Rectangle 13"/>
-          <p:cNvSpPr/>
-          <p:nvPr/>
-        </p:nvSpPr>
-        <p:spPr>
-          <a:xfrm>
-            <a:off x="-36512" y="0"/>
-            <a:ext cx="2016224" cy="5143500"/>
-          </a:xfrm>
-          <a:prstGeom prst="rect">
-            <a:avLst/>
-          </a:prstGeom>
-          <a:solidFill>
-            <a:schemeClr val="accent1"/>
-          </a:solidFill>
-          <a:ln>
-            <a:noFill/>
-          </a:ln>
-        </p:spPr>
-        <p:style>
-          <a:lnRef idx="2">
-            <a:schemeClr val="accent1">
-              <a:shade val="50000"/>
-            </a:schemeClr>
-          </a:lnRef>
-          <a:fillRef idx="1">
-            <a:schemeClr val="accent1"/>
-          </a:fillRef>
-          <a:effectRef idx="0">
-            <a:schemeClr val="accent1"/>
-          </a:effectRef>
-          <a:fontRef idx="minor">
-            <a:schemeClr val="lt1"/>
-          </a:fontRef>
-        </p:style>
-        <p:txBody>
-          <a:bodyPr rtlCol="0" anchor="ctr"/>
-          <a:lstStyle/>
-          <a:p>
-            <a:pPr algn="ctr"/>
-            <a:endParaRPr lang="ko-KR" altLang="en-US"/>
-          </a:p>
-        </p:txBody>
-      </p:sp>
-      <p:sp>
-        <p:nvSpPr>
-          <p:cNvPr id="20" name="Text Placeholder 1"/>
-          <p:cNvSpPr txBox="1">
-            <a:spLocks/>
-          </p:cNvSpPr>
-          <p:nvPr/>
-        </p:nvSpPr>
-        <p:spPr>
-          <a:xfrm>
-            <a:off x="-36512" y="555526"/>
-            <a:ext cx="1980220" cy="1440408"/>
-          </a:xfrm>
-          <a:prstGeom prst="rect">
-            <a:avLst/>
-          </a:prstGeom>
-        </p:spPr>
-        <p:txBody>
-          <a:bodyPr/>
-          <a:lstStyle>
-            <a:lvl1pPr marL="342900" indent="-342900" algn="l" defTabSz="914400" rtl="0" eaLnBrk="1" latinLnBrk="1" hangingPunct="1">
-              <a:spcBef>
-                <a:spcPct val="20000"/>
-              </a:spcBef>
-              <a:buFont typeface="Arial" pitchFamily="34" charset="0"/>
-              <a:buChar char="•"/>
-              <a:defRPr sz="3200" kern="1200">
-                <a:solidFill>
-                  <a:schemeClr val="tx1"/>
-                </a:solidFill>
-                <a:latin typeface="+mn-lt"/>
-                <a:ea typeface="+mn-ea"/>
-                <a:cs typeface="+mn-cs"/>
-              </a:defRPr>
-            </a:lvl1pPr>
-            <a:lvl2pPr marL="742950" indent="-285750" algn="l" defTabSz="914400" rtl="0" eaLnBrk="1" latinLnBrk="1" hangingPunct="1">
-              <a:spcBef>
-                <a:spcPct val="20000"/>
-              </a:spcBef>
-              <a:buFont typeface="Arial" pitchFamily="34" charset="0"/>
-              <a:buChar char="–"/>
-              <a:defRPr sz="2800" kern="1200">
-                <a:solidFill>
-                  <a:schemeClr val="tx1"/>
-                </a:solidFill>
-                <a:latin typeface="+mn-lt"/>
-                <a:ea typeface="+mn-ea"/>
-                <a:cs typeface="+mn-cs"/>
-              </a:defRPr>
-            </a:lvl2pPr>
-            <a:lvl3pPr marL="1143000" indent="-228600" algn="l" defTabSz="914400" rtl="0" eaLnBrk="1" latinLnBrk="1" hangingPunct="1">
-              <a:spcBef>
-                <a:spcPct val="20000"/>
-              </a:spcBef>
-              <a:buFont typeface="Arial" pitchFamily="34" charset="0"/>
-              <a:buChar char="•"/>
-              <a:defRPr sz="2400" kern="1200">
-                <a:solidFill>
-                  <a:schemeClr val="tx1"/>
-                </a:solidFill>
-                <a:latin typeface="+mn-lt"/>
-                <a:ea typeface="+mn-ea"/>
-                <a:cs typeface="+mn-cs"/>
-              </a:defRPr>
-            </a:lvl3pPr>
-            <a:lvl4pPr marL="1600200" indent="-228600" algn="l" defTabSz="914400" rtl="0" eaLnBrk="1" latinLnBrk="1" hangingPunct="1">
-              <a:spcBef>
-                <a:spcPct val="20000"/>
-              </a:spcBef>
-              <a:buFont typeface="Arial" pitchFamily="34" charset="0"/>
-              <a:buChar char="–"/>
-              <a:defRPr sz="2000" kern="1200">
-                <a:solidFill>
-                  <a:schemeClr val="tx1"/>
-                </a:solidFill>
-                <a:latin typeface="+mn-lt"/>
-                <a:ea typeface="+mn-ea"/>
-                <a:cs typeface="+mn-cs"/>
-              </a:defRPr>
-            </a:lvl4pPr>
-            <a:lvl5pPr marL="2057400" indent="-228600" algn="l" defTabSz="914400" rtl="0" eaLnBrk="1" latinLnBrk="1" hangingPunct="1">
-              <a:spcBef>
-                <a:spcPct val="20000"/>
-              </a:spcBef>
-              <a:buFont typeface="Arial" pitchFamily="34" charset="0"/>
-              <a:buChar char="»"/>
-              <a:defRPr sz="2000" kern="1200">
-                <a:solidFill>
-                  <a:schemeClr val="tx1"/>
-                </a:solidFill>
-                <a:latin typeface="+mn-lt"/>
-                <a:ea typeface="+mn-ea"/>
-                <a:cs typeface="+mn-cs"/>
-              </a:defRPr>
-            </a:lvl5pPr>
-            <a:lvl6pPr marL="2514600" indent="-228600" algn="l" defTabSz="914400" rtl="0" eaLnBrk="1" latinLnBrk="1" hangingPunct="1">
-              <a:spcBef>
-                <a:spcPct val="20000"/>
-              </a:spcBef>
-              <a:buFont typeface="Arial" pitchFamily="34" charset="0"/>
-              <a:buChar char="•"/>
-              <a:defRPr sz="2000" kern="1200">
-                <a:solidFill>
-                  <a:schemeClr val="tx1"/>
-                </a:solidFill>
-                <a:latin typeface="+mn-lt"/>
-                <a:ea typeface="+mn-ea"/>
-                <a:cs typeface="+mn-cs"/>
-              </a:defRPr>
-            </a:lvl6pPr>
-            <a:lvl7pPr marL="2971800" indent="-228600" algn="l" defTabSz="914400" rtl="0" eaLnBrk="1" latinLnBrk="1" hangingPunct="1">
-              <a:spcBef>
-                <a:spcPct val="20000"/>
-              </a:spcBef>
-              <a:buFont typeface="Arial" pitchFamily="34" charset="0"/>
-              <a:buChar char="•"/>
-              <a:defRPr sz="2000" kern="1200">
-                <a:solidFill>
-                  <a:schemeClr val="tx1"/>
-                </a:solidFill>
-                <a:latin typeface="+mn-lt"/>
-                <a:ea typeface="+mn-ea"/>
-                <a:cs typeface="+mn-cs"/>
-              </a:defRPr>
-            </a:lvl7pPr>
-            <a:lvl8pPr marL="3429000" indent="-228600" algn="l" defTabSz="914400" rtl="0" eaLnBrk="1" latinLnBrk="1" hangingPunct="1">
-              <a:spcBef>
-                <a:spcPct val="20000"/>
-              </a:spcBef>
-              <a:buFont typeface="Arial" pitchFamily="34" charset="0"/>
-              <a:buChar char="•"/>
-              <a:defRPr sz="2000" kern="1200">
-                <a:solidFill>
-                  <a:schemeClr val="tx1"/>
-                </a:solidFill>
-                <a:latin typeface="+mn-lt"/>
-                <a:ea typeface="+mn-ea"/>
-                <a:cs typeface="+mn-cs"/>
-              </a:defRPr>
-            </a:lvl8pPr>
-            <a:lvl9pPr marL="3886200" indent="-228600" algn="l" defTabSz="914400" rtl="0" eaLnBrk="1" latinLnBrk="1" hangingPunct="1">
-              <a:spcBef>
-                <a:spcPct val="20000"/>
-              </a:spcBef>
-              <a:buFont typeface="Arial" pitchFamily="34" charset="0"/>
-              <a:buChar char="•"/>
-              <a:defRPr sz="2000" kern="1200">
-                <a:solidFill>
-                  <a:schemeClr val="tx1"/>
-                </a:solidFill>
-                <a:latin typeface="+mn-lt"/>
-                <a:ea typeface="+mn-ea"/>
-                <a:cs typeface="+mn-cs"/>
-              </a:defRPr>
-            </a:lvl9pPr>
-          </a:lstStyle>
-          <a:p>
-            <a:pPr marL="0" indent="0" algn="r">
-              <a:buNone/>
-            </a:pPr>
-            <a:r>
-              <a:rPr lang="en-US" altLang="ko-KR" sz="1800" b="1" dirty="0" err="1" smtClean="0">
-                <a:solidFill>
-                  <a:schemeClr val="bg1"/>
-                </a:solidFill>
-                <a:latin typeface="Andale Mono" charset="0"/>
-                <a:ea typeface="Andale Mono" charset="0"/>
-                <a:cs typeface="Andale Mono" charset="0"/>
-              </a:rPr>
-              <a:t>Sestavení</a:t>
-            </a:r>
-            <a:r>
-              <a:rPr lang="en-US" altLang="ko-KR" sz="1800" b="1" dirty="0" smtClean="0">
-                <a:solidFill>
-                  <a:schemeClr val="bg1"/>
-                </a:solidFill>
-                <a:latin typeface="Andale Mono" charset="0"/>
-                <a:ea typeface="Andale Mono" charset="0"/>
-                <a:cs typeface="Andale Mono" charset="0"/>
-              </a:rPr>
-              <a:t> </a:t>
-            </a:r>
-            <a:r>
-              <a:rPr lang="en-US" altLang="ko-KR" sz="1800" b="1" dirty="0" err="1" smtClean="0">
-                <a:solidFill>
-                  <a:schemeClr val="bg1"/>
-                </a:solidFill>
-                <a:latin typeface="Andale Mono" charset="0"/>
-                <a:ea typeface="Andale Mono" charset="0"/>
-                <a:cs typeface="Andale Mono" charset="0"/>
-              </a:rPr>
-              <a:t>obvodu</a:t>
-            </a:r>
-            <a:endParaRPr lang="ko-KR" altLang="en-US" sz="1800" b="1" dirty="0">
-              <a:solidFill>
-                <a:schemeClr val="bg1"/>
-              </a:solidFill>
-              <a:latin typeface="Andale Mono" charset="0"/>
-              <a:ea typeface="Andale Mono" charset="0"/>
-              <a:cs typeface="Andale Mono" charset="0"/>
-            </a:endParaRPr>
-          </a:p>
-        </p:txBody>
-      </p:sp>
-      <p:grpSp>
-        <p:nvGrpSpPr>
-          <p:cNvPr id="8" name="Skupina 7"/>
-          <p:cNvGrpSpPr/>
-          <p:nvPr/>
-        </p:nvGrpSpPr>
-        <p:grpSpPr>
-          <a:xfrm>
-            <a:off x="395536" y="4659804"/>
-            <a:ext cx="1416811" cy="432226"/>
-            <a:chOff x="7524328" y="199433"/>
-            <a:chExt cx="1416811" cy="432226"/>
-          </a:xfrm>
-        </p:grpSpPr>
-        <p:pic>
-          <p:nvPicPr>
-            <p:cNvPr id="9" name="Obrázek 8"/>
-            <p:cNvPicPr>
-              <a:picLocks noChangeAspect="1"/>
-            </p:cNvPicPr>
-            <p:nvPr/>
-          </p:nvPicPr>
-          <p:blipFill>
-            <a:blip r:embed="rId3">
-              <a:lum bright="70000" contrast="-70000"/>
-              <a:extLst>
-                <a:ext uri="{BEBA8EAE-BF5A-486C-A8C5-ECC9F3942E4B}">
-                  <a14:imgProps xmlns:a14="http://schemas.microsoft.com/office/drawing/2010/main">
-                    <a14:imgLayer r:embed="rId4">
-                      <a14:imgEffect>
-                        <a14:colorTemperature colorTemp="1500"/>
-                      </a14:imgEffect>
-                      <a14:imgEffect>
-                        <a14:saturation sat="0"/>
-                      </a14:imgEffect>
-                    </a14:imgLayer>
-                  </a14:imgProps>
-                </a:ext>
-              </a:extLst>
-            </a:blip>
-            <a:stretch>
-              <a:fillRect/>
-            </a:stretch>
-          </p:blipFill>
-          <p:spPr>
-            <a:xfrm>
-              <a:off x="8411772" y="199433"/>
-              <a:ext cx="529367" cy="360218"/>
-            </a:xfrm>
-            <a:prstGeom prst="rect">
-              <a:avLst/>
-            </a:prstGeom>
-          </p:spPr>
-        </p:pic>
-        <p:sp>
-          <p:nvSpPr>
-            <p:cNvPr id="10" name="TextovéPole 9"/>
-            <p:cNvSpPr txBox="1"/>
-            <p:nvPr/>
-          </p:nvSpPr>
-          <p:spPr>
-            <a:xfrm>
-              <a:off x="7524328" y="416215"/>
-              <a:ext cx="915635" cy="215444"/>
-            </a:xfrm>
-            <a:prstGeom prst="rect">
-              <a:avLst/>
-            </a:prstGeom>
-            <a:noFill/>
-          </p:spPr>
-          <p:txBody>
-            <a:bodyPr wrap="none" rtlCol="0">
-              <a:spAutoFit/>
-            </a:bodyPr>
-            <a:lstStyle/>
-            <a:p>
-              <a:r>
-                <a:rPr lang="cs-CZ" sz="800" b="1" smtClean="0">
-                  <a:solidFill>
-                    <a:schemeClr val="bg1"/>
-                  </a:solidFill>
-                  <a:latin typeface="Andale Mono" charset="0"/>
-                  <a:ea typeface="Andale Mono" charset="0"/>
-                  <a:cs typeface="Andale Mono" charset="0"/>
-                </a:rPr>
-                <a:t>PROGRAMOVÁNÍ</a:t>
-              </a:r>
-              <a:endParaRPr lang="cs-CZ" sz="800" b="1" dirty="0">
-                <a:solidFill>
-                  <a:schemeClr val="bg1"/>
-                </a:solidFill>
-                <a:latin typeface="Andale Mono" charset="0"/>
-                <a:ea typeface="Andale Mono" charset="0"/>
-                <a:cs typeface="Andale Mono" charset="0"/>
-              </a:endParaRPr>
-            </a:p>
-          </p:txBody>
-        </p:sp>
-      </p:grpSp>
       <p:graphicFrame>
         <p:nvGraphicFramePr>
           <p:cNvPr id="4" name="Objekt 3"/>
@@ -10146,7 +8114,7 @@
           <a:graphicData uri="http://schemas.openxmlformats.org/presentationml/2006/ole">
             <mc:AlternateContent xmlns:mc="http://schemas.openxmlformats.org/markup-compatibility/2006">
               <mc:Choice xmlns:v="urn:schemas-microsoft-com:vml" Requires="v">
-                <p:oleObj spid="_x0000_s5281" name="Dokument" r:id="rId5" imgW="5969000" imgH="1727200" progId="Word.Document.12">
+                <p:oleObj spid="_x0000_s5291" name="Dokument" r:id="rId5" imgW="5969000" imgH="1727200" progId="Word.Document.12">
                   <p:embed/>
                 </p:oleObj>
               </mc:Choice>
@@ -11283,7 +9251,7 @@
           <a:graphicData uri="http://schemas.openxmlformats.org/presentationml/2006/ole">
             <mc:AlternateContent xmlns:mc="http://schemas.openxmlformats.org/markup-compatibility/2006">
               <mc:Choice xmlns:v="urn:schemas-microsoft-com:vml" Requires="v">
-                <p:oleObj spid="_x0000_s12440" name="Dokument" r:id="rId5" imgW="5651500" imgH="3098800" progId="Word.Document.12">
+                <p:oleObj spid="_x0000_s12459" name="Dokument" r:id="rId5" imgW="5651500" imgH="3098800" progId="Word.Document.12">
                   <p:embed/>
                 </p:oleObj>
               </mc:Choice>
@@ -11340,7 +9308,7 @@
           <a:graphicData uri="http://schemas.openxmlformats.org/presentationml/2006/ole">
             <mc:AlternateContent xmlns:mc="http://schemas.openxmlformats.org/markup-compatibility/2006">
               <mc:Choice xmlns:v="urn:schemas-microsoft-com:vml" Requires="v">
-                <p:oleObj spid="_x0000_s12441" name="Dokument" r:id="rId7" imgW="6413500" imgH="3429000" progId="Word.Document.12">
+                <p:oleObj spid="_x0000_s12460" name="Dokument" r:id="rId7" imgW="6413500" imgH="3429000" progId="Word.Document.12">
                   <p:embed/>
                 </p:oleObj>
               </mc:Choice>
@@ -12016,7 +9984,7 @@
           <a:graphicData uri="http://schemas.openxmlformats.org/presentationml/2006/ole">
             <mc:AlternateContent xmlns:mc="http://schemas.openxmlformats.org/markup-compatibility/2006">
               <mc:Choice xmlns:v="urn:schemas-microsoft-com:vml" Requires="v">
-                <p:oleObj spid="_x0000_s9313" name="Dokument" r:id="rId5" imgW="5575300" imgH="1282700" progId="Word.Document.12">
+                <p:oleObj spid="_x0000_s9323" name="Dokument" r:id="rId5" imgW="5575300" imgH="1282700" progId="Word.Document.12">
                   <p:embed/>
                 </p:oleObj>
               </mc:Choice>
@@ -13378,7 +11346,7 @@
           <a:graphicData uri="http://schemas.openxmlformats.org/presentationml/2006/ole">
             <mc:AlternateContent xmlns:mc="http://schemas.openxmlformats.org/markup-compatibility/2006">
               <mc:Choice xmlns:v="urn:schemas-microsoft-com:vml" Requires="v">
-                <p:oleObj spid="_x0000_s14382" name="Dokument" r:id="rId5" imgW="5575300" imgH="2273300" progId="Word.Document.12">
+                <p:oleObj spid="_x0000_s14392" name="Dokument" r:id="rId5" imgW="5575300" imgH="2273300" progId="Word.Document.12">
                   <p:embed/>
                 </p:oleObj>
               </mc:Choice>
@@ -14688,7 +12656,7 @@
           <a:graphicData uri="http://schemas.openxmlformats.org/presentationml/2006/ole">
             <mc:AlternateContent xmlns:mc="http://schemas.openxmlformats.org/markup-compatibility/2006">
               <mc:Choice xmlns:v="urn:schemas-microsoft-com:vml" Requires="v">
-                <p:oleObj spid="_x0000_s11495" name="Dokument" r:id="rId5" imgW="5575300" imgH="2197100" progId="Word.Document.12">
+                <p:oleObj spid="_x0000_s11514" name="Dokument" r:id="rId5" imgW="5575300" imgH="2197100" progId="Word.Document.12">
                   <p:embed/>
                 </p:oleObj>
               </mc:Choice>
@@ -14745,7 +12713,7 @@
           <a:graphicData uri="http://schemas.openxmlformats.org/presentationml/2006/ole">
             <mc:AlternateContent xmlns:mc="http://schemas.openxmlformats.org/markup-compatibility/2006">
               <mc:Choice xmlns:v="urn:schemas-microsoft-com:vml" Requires="v">
-                <p:oleObj spid="_x0000_s11496" name="Dokument" r:id="rId7" imgW="5575300" imgH="2857500" progId="Word.Document.12">
+                <p:oleObj spid="_x0000_s11515" name="Dokument" r:id="rId7" imgW="5575300" imgH="2857500" progId="Word.Document.12">
                   <p:embed/>
                 </p:oleObj>
               </mc:Choice>
@@ -15444,7 +13412,7 @@
           <a:graphicData uri="http://schemas.openxmlformats.org/presentationml/2006/ole">
             <mc:AlternateContent xmlns:mc="http://schemas.openxmlformats.org/markup-compatibility/2006">
               <mc:Choice xmlns:v="urn:schemas-microsoft-com:vml" Requires="v">
-                <p:oleObj spid="_x0000_s13416" name="Dokument" r:id="rId5" imgW="5575300" imgH="711200" progId="Word.Document.12">
+                <p:oleObj spid="_x0000_s13426" name="Dokument" r:id="rId5" imgW="5575300" imgH="711200" progId="Word.Document.12">
                   <p:embed/>
                 </p:oleObj>
               </mc:Choice>
